--- a/advance-typescript.pptx
+++ b/advance-typescript.pptx
@@ -106,6 +106,11 @@
       </a:defRPr>
     </a:lvl9pPr>
   </p:defaultTextStyle>
+  <p:extLst>
+    <p:ext uri="{EFAFB233-063F-42B5-8137-9DF3F51BA10A}">
+      <p15:sldGuideLst xmlns:p15="http://schemas.microsoft.com/office/powerpoint/2012/main"/>
+    </p:ext>
+  </p:extLst>
 </p:presentation>
 </file>
 
@@ -258,7 +263,7 @@
           <a:p>
             <a:fld id="{610DEFEF-6024-EA42-94FF-6FD89BB1093D}" type="datetimeFigureOut">
               <a:rPr lang="en-US" smtClean="0"/>
-              <a:t>10/31/22</a:t>
+              <a:t>11/3/22</a:t>
             </a:fld>
             <a:endParaRPr lang="en-US"/>
           </a:p>
@@ -458,7 +463,7 @@
           <a:p>
             <a:fld id="{610DEFEF-6024-EA42-94FF-6FD89BB1093D}" type="datetimeFigureOut">
               <a:rPr lang="en-US" smtClean="0"/>
-              <a:t>10/31/22</a:t>
+              <a:t>11/3/22</a:t>
             </a:fld>
             <a:endParaRPr lang="en-US"/>
           </a:p>
@@ -668,7 +673,7 @@
           <a:p>
             <a:fld id="{610DEFEF-6024-EA42-94FF-6FD89BB1093D}" type="datetimeFigureOut">
               <a:rPr lang="en-US" smtClean="0"/>
-              <a:t>10/31/22</a:t>
+              <a:t>11/3/22</a:t>
             </a:fld>
             <a:endParaRPr lang="en-US"/>
           </a:p>
@@ -868,7 +873,7 @@
           <a:p>
             <a:fld id="{610DEFEF-6024-EA42-94FF-6FD89BB1093D}" type="datetimeFigureOut">
               <a:rPr lang="en-US" smtClean="0"/>
-              <a:t>10/31/22</a:t>
+              <a:t>11/3/22</a:t>
             </a:fld>
             <a:endParaRPr lang="en-US"/>
           </a:p>
@@ -1144,7 +1149,7 @@
           <a:p>
             <a:fld id="{610DEFEF-6024-EA42-94FF-6FD89BB1093D}" type="datetimeFigureOut">
               <a:rPr lang="en-US" smtClean="0"/>
-              <a:t>10/31/22</a:t>
+              <a:t>11/3/22</a:t>
             </a:fld>
             <a:endParaRPr lang="en-US"/>
           </a:p>
@@ -1412,7 +1417,7 @@
           <a:p>
             <a:fld id="{610DEFEF-6024-EA42-94FF-6FD89BB1093D}" type="datetimeFigureOut">
               <a:rPr lang="en-US" smtClean="0"/>
-              <a:t>10/31/22</a:t>
+              <a:t>11/3/22</a:t>
             </a:fld>
             <a:endParaRPr lang="en-US"/>
           </a:p>
@@ -1827,7 +1832,7 @@
           <a:p>
             <a:fld id="{610DEFEF-6024-EA42-94FF-6FD89BB1093D}" type="datetimeFigureOut">
               <a:rPr lang="en-US" smtClean="0"/>
-              <a:t>10/31/22</a:t>
+              <a:t>11/3/22</a:t>
             </a:fld>
             <a:endParaRPr lang="en-US"/>
           </a:p>
@@ -1969,7 +1974,7 @@
           <a:p>
             <a:fld id="{610DEFEF-6024-EA42-94FF-6FD89BB1093D}" type="datetimeFigureOut">
               <a:rPr lang="en-US" smtClean="0"/>
-              <a:t>10/31/22</a:t>
+              <a:t>11/3/22</a:t>
             </a:fld>
             <a:endParaRPr lang="en-US"/>
           </a:p>
@@ -2082,7 +2087,7 @@
           <a:p>
             <a:fld id="{610DEFEF-6024-EA42-94FF-6FD89BB1093D}" type="datetimeFigureOut">
               <a:rPr lang="en-US" smtClean="0"/>
-              <a:t>10/31/22</a:t>
+              <a:t>11/3/22</a:t>
             </a:fld>
             <a:endParaRPr lang="en-US"/>
           </a:p>
@@ -2395,7 +2400,7 @@
           <a:p>
             <a:fld id="{610DEFEF-6024-EA42-94FF-6FD89BB1093D}" type="datetimeFigureOut">
               <a:rPr lang="en-US" smtClean="0"/>
-              <a:t>10/31/22</a:t>
+              <a:t>11/3/22</a:t>
             </a:fld>
             <a:endParaRPr lang="en-US"/>
           </a:p>
@@ -2684,7 +2689,7 @@
           <a:p>
             <a:fld id="{610DEFEF-6024-EA42-94FF-6FD89BB1093D}" type="datetimeFigureOut">
               <a:rPr lang="en-US" smtClean="0"/>
-              <a:t>10/31/22</a:t>
+              <a:t>11/3/22</a:t>
             </a:fld>
             <a:endParaRPr lang="en-US"/>
           </a:p>
@@ -2927,7 +2932,7 @@
           <a:p>
             <a:fld id="{610DEFEF-6024-EA42-94FF-6FD89BB1093D}" type="datetimeFigureOut">
               <a:rPr lang="en-US" smtClean="0"/>
-              <a:t>10/31/22</a:t>
+              <a:t>11/3/22</a:t>
             </a:fld>
             <a:endParaRPr lang="en-US"/>
           </a:p>
@@ -3479,67 +3484,67 @@
           <a:lstStyle/>
           <a:p>
             <a:r>
-              <a:rPr lang="en-US" sz="1200" dirty="0"/>
+              <a:rPr lang="en-US" sz="1400" dirty="0"/>
               <a:t>Why Types</a:t>
             </a:r>
           </a:p>
           <a:p>
             <a:r>
-              <a:rPr lang="en-US" sz="1200" dirty="0"/>
+              <a:rPr lang="en-US" sz="1400" dirty="0"/>
               <a:t>Common use case</a:t>
             </a:r>
           </a:p>
           <a:p>
             <a:r>
-              <a:rPr lang="en-US" sz="1200" dirty="0"/>
+              <a:rPr lang="en-US" sz="1400" dirty="0"/>
               <a:t>Constraint</a:t>
             </a:r>
           </a:p>
           <a:p>
             <a:r>
-              <a:rPr lang="en-US" sz="1200" dirty="0"/>
-              <a:t>Unit Test case</a:t>
-            </a:r>
-          </a:p>
-          <a:p>
-            <a:r>
-              <a:rPr lang="en-US" sz="1200" dirty="0"/>
+              <a:rPr lang="en-US" sz="1400" dirty="0"/>
+              <a:t>Multiple Generic Types (Less Priority)</a:t>
+            </a:r>
+          </a:p>
+          <a:p>
+            <a:r>
+              <a:rPr lang="en-US" sz="1400" dirty="0"/>
               <a:t>Type manipulation</a:t>
             </a:r>
           </a:p>
           <a:p>
             <a:r>
-              <a:rPr lang="en-US" sz="1200" dirty="0"/>
+              <a:rPr lang="en-US" sz="1400" dirty="0"/>
               <a:t>Omit</a:t>
             </a:r>
           </a:p>
           <a:p>
             <a:r>
-              <a:rPr lang="en-US" sz="1200" dirty="0"/>
+              <a:rPr lang="en-US" sz="1400" dirty="0"/>
               <a:t>Pick</a:t>
             </a:r>
           </a:p>
           <a:p>
             <a:r>
-              <a:rPr lang="en-US" sz="1200" dirty="0"/>
+              <a:rPr lang="en-US" sz="1400" dirty="0"/>
               <a:t>Custom type combination</a:t>
             </a:r>
           </a:p>
           <a:p>
             <a:r>
-              <a:rPr lang="en-US" sz="1200" dirty="0"/>
+              <a:rPr lang="en-US" sz="1400" dirty="0"/>
               <a:t>Function Return Type as type</a:t>
             </a:r>
           </a:p>
           <a:p>
             <a:r>
-              <a:rPr lang="en-US" sz="1200" dirty="0"/>
+              <a:rPr lang="en-US" sz="1400" dirty="0"/>
               <a:t>Generic Type in Class</a:t>
             </a:r>
           </a:p>
           <a:p>
             <a:r>
-              <a:rPr lang="en-US" sz="1200" dirty="0"/>
+              <a:rPr lang="en-US" sz="1400" dirty="0"/>
               <a:t>Type Safety</a:t>
             </a:r>
           </a:p>
@@ -3624,14 +3629,58 @@
           <a:bodyPr/>
           <a:lstStyle/>
           <a:p>
-            <a:pPr marL="0" indent="0">
-              <a:buNone/>
+            <a:pPr>
+              <a:buFontTx/>
+              <a:buChar char="-"/>
             </a:pPr>
             <a:r>
-              <a:rPr lang="en-MY" dirty="0"/>
-              <a:t>Many developers who use JavaScript are familiar with the pains of debugging. When you are in charge of executing a program, you must look for new bugs and then do it again as need. And you end up finally solving your problem after hours of troubleshooting. This is a common issue with non-compiling languages like JavaScript.</a:t>
-            </a:r>
+              <a:rPr lang="en-US" dirty="0"/>
+              <a:t>Do you want less code with concern or not confident enough with the code you write?</a:t>
+            </a:r>
+          </a:p>
+          <a:p>
+            <a:pPr>
+              <a:buFontTx/>
+              <a:buChar char="-"/>
+            </a:pPr>
+            <a:r>
+              <a:rPr lang="en-US" dirty="0"/>
+              <a:t>Write a bit more code to be confident enough that certain things will not break for sure!!</a:t>
+            </a:r>
+          </a:p>
+          <a:p>
+            <a:pPr>
+              <a:buFontTx/>
+              <a:buChar char="-"/>
+            </a:pPr>
             <a:endParaRPr lang="en-US" dirty="0"/>
+          </a:p>
+          <a:p>
+            <a:pPr>
+              <a:buFontTx/>
+              <a:buChar char="-"/>
+            </a:pPr>
+            <a:r>
+              <a:rPr lang="en-US" dirty="0"/>
+              <a:t>More effort during development rather than facing more bug on production.</a:t>
+            </a:r>
+          </a:p>
+          <a:p>
+            <a:pPr>
+              <a:buFontTx/>
+              <a:buChar char="-"/>
+            </a:pPr>
+            <a:endParaRPr lang="en-US" dirty="0"/>
+          </a:p>
+          <a:p>
+            <a:pPr>
+              <a:buFontTx/>
+              <a:buChar char="-"/>
+            </a:pPr>
+            <a:r>
+              <a:rPr lang="en-US" dirty="0"/>
+              <a:t>Documenting and better collaboration. </a:t>
+            </a:r>
           </a:p>
         </p:txBody>
       </p:sp>

--- a/advance-typescript.pptx
+++ b/advance-typescript.pptx
@@ -6,8 +6,9 @@
   </p:sldMasterIdLst>
   <p:sldIdLst>
     <p:sldId id="256" r:id="rId2"/>
-    <p:sldId id="258" r:id="rId3"/>
-    <p:sldId id="257" r:id="rId4"/>
+    <p:sldId id="257" r:id="rId3"/>
+    <p:sldId id="258" r:id="rId4"/>
+    <p:sldId id="259" r:id="rId5"/>
   </p:sldIdLst>
   <p:sldSz cx="12192000" cy="6858000"/>
   <p:notesSz cx="6858000" cy="9144000"/>
@@ -263,7 +264,7 @@
           <a:p>
             <a:fld id="{610DEFEF-6024-EA42-94FF-6FD89BB1093D}" type="datetimeFigureOut">
               <a:rPr lang="en-US" smtClean="0"/>
-              <a:t>11/3/22</a:t>
+              <a:t>11/7/22</a:t>
             </a:fld>
             <a:endParaRPr lang="en-US"/>
           </a:p>
@@ -463,7 +464,7 @@
           <a:p>
             <a:fld id="{610DEFEF-6024-EA42-94FF-6FD89BB1093D}" type="datetimeFigureOut">
               <a:rPr lang="en-US" smtClean="0"/>
-              <a:t>11/3/22</a:t>
+              <a:t>11/7/22</a:t>
             </a:fld>
             <a:endParaRPr lang="en-US"/>
           </a:p>
@@ -673,7 +674,7 @@
           <a:p>
             <a:fld id="{610DEFEF-6024-EA42-94FF-6FD89BB1093D}" type="datetimeFigureOut">
               <a:rPr lang="en-US" smtClean="0"/>
-              <a:t>11/3/22</a:t>
+              <a:t>11/7/22</a:t>
             </a:fld>
             <a:endParaRPr lang="en-US"/>
           </a:p>
@@ -873,7 +874,7 @@
           <a:p>
             <a:fld id="{610DEFEF-6024-EA42-94FF-6FD89BB1093D}" type="datetimeFigureOut">
               <a:rPr lang="en-US" smtClean="0"/>
-              <a:t>11/3/22</a:t>
+              <a:t>11/7/22</a:t>
             </a:fld>
             <a:endParaRPr lang="en-US"/>
           </a:p>
@@ -1149,7 +1150,7 @@
           <a:p>
             <a:fld id="{610DEFEF-6024-EA42-94FF-6FD89BB1093D}" type="datetimeFigureOut">
               <a:rPr lang="en-US" smtClean="0"/>
-              <a:t>11/3/22</a:t>
+              <a:t>11/7/22</a:t>
             </a:fld>
             <a:endParaRPr lang="en-US"/>
           </a:p>
@@ -1417,7 +1418,7 @@
           <a:p>
             <a:fld id="{610DEFEF-6024-EA42-94FF-6FD89BB1093D}" type="datetimeFigureOut">
               <a:rPr lang="en-US" smtClean="0"/>
-              <a:t>11/3/22</a:t>
+              <a:t>11/7/22</a:t>
             </a:fld>
             <a:endParaRPr lang="en-US"/>
           </a:p>
@@ -1832,7 +1833,7 @@
           <a:p>
             <a:fld id="{610DEFEF-6024-EA42-94FF-6FD89BB1093D}" type="datetimeFigureOut">
               <a:rPr lang="en-US" smtClean="0"/>
-              <a:t>11/3/22</a:t>
+              <a:t>11/7/22</a:t>
             </a:fld>
             <a:endParaRPr lang="en-US"/>
           </a:p>
@@ -1974,7 +1975,7 @@
           <a:p>
             <a:fld id="{610DEFEF-6024-EA42-94FF-6FD89BB1093D}" type="datetimeFigureOut">
               <a:rPr lang="en-US" smtClean="0"/>
-              <a:t>11/3/22</a:t>
+              <a:t>11/7/22</a:t>
             </a:fld>
             <a:endParaRPr lang="en-US"/>
           </a:p>
@@ -2087,7 +2088,7 @@
           <a:p>
             <a:fld id="{610DEFEF-6024-EA42-94FF-6FD89BB1093D}" type="datetimeFigureOut">
               <a:rPr lang="en-US" smtClean="0"/>
-              <a:t>11/3/22</a:t>
+              <a:t>11/7/22</a:t>
             </a:fld>
             <a:endParaRPr lang="en-US"/>
           </a:p>
@@ -2400,7 +2401,7 @@
           <a:p>
             <a:fld id="{610DEFEF-6024-EA42-94FF-6FD89BB1093D}" type="datetimeFigureOut">
               <a:rPr lang="en-US" smtClean="0"/>
-              <a:t>11/3/22</a:t>
+              <a:t>11/7/22</a:t>
             </a:fld>
             <a:endParaRPr lang="en-US"/>
           </a:p>
@@ -2689,7 +2690,7 @@
           <a:p>
             <a:fld id="{610DEFEF-6024-EA42-94FF-6FD89BB1093D}" type="datetimeFigureOut">
               <a:rPr lang="en-US" smtClean="0"/>
-              <a:t>11/3/22</a:t>
+              <a:t>11/7/22</a:t>
             </a:fld>
             <a:endParaRPr lang="en-US"/>
           </a:p>
@@ -2932,7 +2933,7 @@
           <a:p>
             <a:fld id="{610DEFEF-6024-EA42-94FF-6FD89BB1093D}" type="datetimeFigureOut">
               <a:rPr lang="en-US" smtClean="0"/>
-              <a:t>11/3/22</a:t>
+              <a:t>11/7/22</a:t>
             </a:fld>
             <a:endParaRPr lang="en-US"/>
           </a:p>
@@ -3398,7 +3399,10 @@
           <a:bodyPr/>
           <a:lstStyle/>
           <a:p>
-            <a:endParaRPr lang="en-US" dirty="0"/>
+            <a:r>
+              <a:rPr lang="en-US" dirty="0"/>
+              <a:t>Let’s Type</a:t>
+            </a:r>
           </a:p>
         </p:txBody>
       </p:sp>
@@ -3437,7 +3441,7 @@
           <p:cNvPr id="2" name="Title 1">
             <a:extLst>
               <a:ext uri="{FF2B5EF4-FFF2-40B4-BE49-F238E27FC236}">
-                <a16:creationId xmlns:a16="http://schemas.microsoft.com/office/drawing/2014/main" id="{8FED8F58-D78C-6E31-4489-A8FF1725AC3D}"/>
+                <a16:creationId xmlns:a16="http://schemas.microsoft.com/office/drawing/2014/main" id="{122A8E3F-2733-30C7-8FAC-8742A2FD0D49}"/>
               </a:ext>
             </a:extLst>
           </p:cNvPr>
@@ -3455,7 +3459,7 @@
           <a:p>
             <a:r>
               <a:rPr lang="en-US" dirty="0"/>
-              <a:t>Topics</a:t>
+              <a:t>Why TypeScript</a:t>
             </a:r>
           </a:p>
         </p:txBody>
@@ -3465,7 +3469,7 @@
           <p:cNvPr id="3" name="Content Placeholder 2">
             <a:extLst>
               <a:ext uri="{FF2B5EF4-FFF2-40B4-BE49-F238E27FC236}">
-                <a16:creationId xmlns:a16="http://schemas.microsoft.com/office/drawing/2014/main" id="{A20E0A77-D690-E991-B2DF-AF1C190355EB}"/>
+                <a16:creationId xmlns:a16="http://schemas.microsoft.com/office/drawing/2014/main" id="{13C8C163-78FF-ABF0-6FD4-A22B9169D28A}"/>
               </a:ext>
             </a:extLst>
           </p:cNvPr>
@@ -3478,74 +3482,46 @@
         </p:nvSpPr>
         <p:spPr/>
         <p:txBody>
-          <a:bodyPr>
-            <a:normAutofit/>
-          </a:bodyPr>
-          <a:lstStyle/>
-          <a:p>
-            <a:r>
-              <a:rPr lang="en-US" sz="1400" dirty="0"/>
-              <a:t>Why Types</a:t>
-            </a:r>
-          </a:p>
-          <a:p>
-            <a:r>
-              <a:rPr lang="en-US" sz="1400" dirty="0"/>
-              <a:t>Common use case</a:t>
-            </a:r>
-          </a:p>
-          <a:p>
-            <a:r>
-              <a:rPr lang="en-US" sz="1400" dirty="0"/>
-              <a:t>Constraint</a:t>
-            </a:r>
-          </a:p>
-          <a:p>
-            <a:r>
-              <a:rPr lang="en-US" sz="1400" dirty="0"/>
-              <a:t>Multiple Generic Types (Less Priority)</a:t>
-            </a:r>
-          </a:p>
-          <a:p>
-            <a:r>
-              <a:rPr lang="en-US" sz="1400" dirty="0"/>
-              <a:t>Type manipulation</a:t>
-            </a:r>
-          </a:p>
-          <a:p>
-            <a:r>
-              <a:rPr lang="en-US" sz="1400" dirty="0"/>
-              <a:t>Omit</a:t>
-            </a:r>
-          </a:p>
-          <a:p>
-            <a:r>
-              <a:rPr lang="en-US" sz="1400" dirty="0"/>
-              <a:t>Pick</a:t>
-            </a:r>
-          </a:p>
-          <a:p>
-            <a:r>
-              <a:rPr lang="en-US" sz="1400" dirty="0"/>
-              <a:t>Custom type combination</a:t>
-            </a:r>
-          </a:p>
-          <a:p>
-            <a:r>
-              <a:rPr lang="en-US" sz="1400" dirty="0"/>
-              <a:t>Function Return Type as type</a:t>
-            </a:r>
-          </a:p>
-          <a:p>
-            <a:r>
-              <a:rPr lang="en-US" sz="1400" dirty="0"/>
-              <a:t>Generic Type in Class</a:t>
-            </a:r>
-          </a:p>
-          <a:p>
-            <a:r>
-              <a:rPr lang="en-US" sz="1400" dirty="0"/>
-              <a:t>Type Safety</a:t>
+          <a:bodyPr/>
+          <a:lstStyle/>
+          <a:p>
+            <a:pPr>
+              <a:buFontTx/>
+              <a:buChar char="-"/>
+            </a:pPr>
+            <a:r>
+              <a:rPr lang="en-US" dirty="0"/>
+              <a:t>Without Type: less code but certain concern</a:t>
+            </a:r>
+          </a:p>
+          <a:p>
+            <a:pPr>
+              <a:buFontTx/>
+              <a:buChar char="-"/>
+            </a:pPr>
+            <a:r>
+              <a:rPr lang="en-US" dirty="0"/>
+              <a:t>With Type: a bit more code to be confident</a:t>
+            </a:r>
+          </a:p>
+          <a:p>
+            <a:pPr>
+              <a:buFontTx/>
+              <a:buChar char="-"/>
+            </a:pPr>
+            <a:r>
+              <a:rPr lang="en-US" dirty="0"/>
+              <a:t>more effort during development than facing more bug on production.</a:t>
+            </a:r>
+          </a:p>
+          <a:p>
+            <a:pPr>
+              <a:buFontTx/>
+              <a:buChar char="-"/>
+            </a:pPr>
+            <a:r>
+              <a:rPr lang="en-US" dirty="0"/>
+              <a:t>Documenting and better collaboration. </a:t>
             </a:r>
           </a:p>
         </p:txBody>
@@ -3553,7 +3529,7 @@
     </p:spTree>
     <p:extLst>
       <p:ext uri="{BB962C8B-B14F-4D97-AF65-F5344CB8AC3E}">
-        <p14:creationId xmlns:p14="http://schemas.microsoft.com/office/powerpoint/2010/main" val="3026053337"/>
+        <p14:creationId xmlns:p14="http://schemas.microsoft.com/office/powerpoint/2010/main" val="2401134377"/>
       </p:ext>
     </p:extLst>
   </p:cSld>
@@ -3585,7 +3561,7 @@
           <p:cNvPr id="2" name="Title 1">
             <a:extLst>
               <a:ext uri="{FF2B5EF4-FFF2-40B4-BE49-F238E27FC236}">
-                <a16:creationId xmlns:a16="http://schemas.microsoft.com/office/drawing/2014/main" id="{122A8E3F-2733-30C7-8FAC-8742A2FD0D49}"/>
+                <a16:creationId xmlns:a16="http://schemas.microsoft.com/office/drawing/2014/main" id="{8FED8F58-D78C-6E31-4489-A8FF1725AC3D}"/>
               </a:ext>
             </a:extLst>
           </p:cNvPr>
@@ -3603,7 +3579,7 @@
           <a:p>
             <a:r>
               <a:rPr lang="en-US" dirty="0"/>
-              <a:t>Why TypeScript</a:t>
+              <a:t>Topics</a:t>
             </a:r>
           </a:p>
         </p:txBody>
@@ -3613,7 +3589,7 @@
           <p:cNvPr id="3" name="Content Placeholder 2">
             <a:extLst>
               <a:ext uri="{FF2B5EF4-FFF2-40B4-BE49-F238E27FC236}">
-                <a16:creationId xmlns:a16="http://schemas.microsoft.com/office/drawing/2014/main" id="{13C8C163-78FF-ABF0-6FD4-A22B9169D28A}"/>
+                <a16:creationId xmlns:a16="http://schemas.microsoft.com/office/drawing/2014/main" id="{A20E0A77-D690-E991-B2DF-AF1C190355EB}"/>
               </a:ext>
             </a:extLst>
           </p:cNvPr>
@@ -3624,62 +3600,70 @@
             <p:ph idx="1"/>
           </p:nvPr>
         </p:nvSpPr>
-        <p:spPr/>
-        <p:txBody>
-          <a:bodyPr/>
-          <a:lstStyle/>
-          <a:p>
-            <a:pPr>
-              <a:buFontTx/>
-              <a:buChar char="-"/>
-            </a:pPr>
-            <a:r>
-              <a:rPr lang="en-US" dirty="0"/>
-              <a:t>Do you want less code with concern or not confident enough with the code you write?</a:t>
-            </a:r>
-          </a:p>
-          <a:p>
-            <a:pPr>
-              <a:buFontTx/>
-              <a:buChar char="-"/>
-            </a:pPr>
-            <a:r>
-              <a:rPr lang="en-US" dirty="0"/>
-              <a:t>Write a bit more code to be confident enough that certain things will not break for sure!!</a:t>
-            </a:r>
-          </a:p>
-          <a:p>
-            <a:pPr>
-              <a:buFontTx/>
-              <a:buChar char="-"/>
-            </a:pPr>
-            <a:endParaRPr lang="en-US" dirty="0"/>
-          </a:p>
-          <a:p>
-            <a:pPr>
-              <a:buFontTx/>
-              <a:buChar char="-"/>
-            </a:pPr>
-            <a:r>
-              <a:rPr lang="en-US" dirty="0"/>
-              <a:t>More effort during development rather than facing more bug on production.</a:t>
-            </a:r>
-          </a:p>
-          <a:p>
-            <a:pPr>
-              <a:buFontTx/>
-              <a:buChar char="-"/>
-            </a:pPr>
-            <a:endParaRPr lang="en-US" dirty="0"/>
-          </a:p>
-          <a:p>
-            <a:pPr>
-              <a:buFontTx/>
-              <a:buChar char="-"/>
-            </a:pPr>
-            <a:r>
-              <a:rPr lang="en-US" dirty="0"/>
-              <a:t>Documenting and better collaboration. </a:t>
+        <p:spPr>
+          <a:xfrm>
+            <a:off x="838200" y="1825625"/>
+            <a:ext cx="10515600" cy="3219904"/>
+          </a:xfrm>
+        </p:spPr>
+        <p:txBody>
+          <a:bodyPr>
+            <a:normAutofit/>
+          </a:bodyPr>
+          <a:lstStyle/>
+          <a:p>
+            <a:r>
+              <a:rPr lang="en-US" sz="1400" dirty="0"/>
+              <a:t>Recap of type</a:t>
+            </a:r>
+          </a:p>
+          <a:p>
+            <a:r>
+              <a:rPr lang="en-US" sz="1400" dirty="0"/>
+              <a:t>Common use case</a:t>
+            </a:r>
+          </a:p>
+          <a:p>
+            <a:r>
+              <a:rPr lang="en-US" sz="1400" dirty="0"/>
+              <a:t>Omit</a:t>
+            </a:r>
+          </a:p>
+          <a:p>
+            <a:r>
+              <a:rPr lang="en-US" sz="1400" dirty="0"/>
+              <a:t>Partial</a:t>
+            </a:r>
+          </a:p>
+          <a:p>
+            <a:r>
+              <a:rPr lang="en-US" sz="1400" dirty="0" err="1"/>
+              <a:t>Readonly</a:t>
+            </a:r>
+            <a:endParaRPr lang="en-US" sz="1400" dirty="0"/>
+          </a:p>
+          <a:p>
+            <a:r>
+              <a:rPr lang="en-US" sz="1400" dirty="0"/>
+              <a:t>Pick</a:t>
+            </a:r>
+          </a:p>
+          <a:p>
+            <a:r>
+              <a:rPr lang="en-US" sz="1400" dirty="0"/>
+              <a:t>Custom type combination</a:t>
+            </a:r>
+          </a:p>
+          <a:p>
+            <a:r>
+              <a:rPr lang="en-US" sz="1400" dirty="0"/>
+              <a:t>Type safety</a:t>
+            </a:r>
+          </a:p>
+          <a:p>
+            <a:r>
+              <a:rPr lang="en-US" sz="1400" dirty="0"/>
+              <a:t>Function Return Type as type</a:t>
             </a:r>
           </a:p>
         </p:txBody>
@@ -3687,7 +3671,111 @@
     </p:spTree>
     <p:extLst>
       <p:ext uri="{BB962C8B-B14F-4D97-AF65-F5344CB8AC3E}">
-        <p14:creationId xmlns:p14="http://schemas.microsoft.com/office/powerpoint/2010/main" val="2401134377"/>
+        <p14:creationId xmlns:p14="http://schemas.microsoft.com/office/powerpoint/2010/main" val="3026053337"/>
+      </p:ext>
+    </p:extLst>
+  </p:cSld>
+  <p:clrMapOvr>
+    <a:masterClrMapping/>
+  </p:clrMapOvr>
+</p:sld>
+</file>
+
+<file path=ppt/slides/slide4.xml><?xml version="1.0" encoding="utf-8"?>
+<p:sld xmlns:a="http://schemas.openxmlformats.org/drawingml/2006/main" xmlns:r="http://schemas.openxmlformats.org/officeDocument/2006/relationships" xmlns:p="http://schemas.openxmlformats.org/presentationml/2006/main">
+  <p:cSld>
+    <p:spTree>
+      <p:nvGrpSpPr>
+        <p:cNvPr id="1" name=""/>
+        <p:cNvGrpSpPr/>
+        <p:nvPr/>
+      </p:nvGrpSpPr>
+      <p:grpSpPr>
+        <a:xfrm>
+          <a:off x="0" y="0"/>
+          <a:ext cx="0" cy="0"/>
+          <a:chOff x="0" y="0"/>
+          <a:chExt cx="0" cy="0"/>
+        </a:xfrm>
+      </p:grpSpPr>
+      <p:sp>
+        <p:nvSpPr>
+          <p:cNvPr id="2" name="Title 1">
+            <a:extLst>
+              <a:ext uri="{FF2B5EF4-FFF2-40B4-BE49-F238E27FC236}">
+                <a16:creationId xmlns:a16="http://schemas.microsoft.com/office/drawing/2014/main" id="{DD9A8744-1C8E-AE2E-F929-24F0B10BDA61}"/>
+              </a:ext>
+            </a:extLst>
+          </p:cNvPr>
+          <p:cNvSpPr>
+            <a:spLocks noGrp="1"/>
+          </p:cNvSpPr>
+          <p:nvPr>
+            <p:ph type="title"/>
+          </p:nvPr>
+        </p:nvSpPr>
+        <p:spPr/>
+        <p:txBody>
+          <a:bodyPr/>
+          <a:lstStyle/>
+          <a:p>
+            <a:r>
+              <a:rPr lang="en-US" dirty="0"/>
+              <a:t>Recap of type</a:t>
+            </a:r>
+          </a:p>
+        </p:txBody>
+      </p:sp>
+      <p:sp>
+        <p:nvSpPr>
+          <p:cNvPr id="3" name="Content Placeholder 2">
+            <a:extLst>
+              <a:ext uri="{FF2B5EF4-FFF2-40B4-BE49-F238E27FC236}">
+                <a16:creationId xmlns:a16="http://schemas.microsoft.com/office/drawing/2014/main" id="{CF537009-2E82-6F22-7FE9-D126E437E04D}"/>
+              </a:ext>
+            </a:extLst>
+          </p:cNvPr>
+          <p:cNvSpPr>
+            <a:spLocks noGrp="1"/>
+          </p:cNvSpPr>
+          <p:nvPr>
+            <p:ph idx="1"/>
+          </p:nvPr>
+        </p:nvSpPr>
+        <p:spPr/>
+        <p:txBody>
+          <a:bodyPr/>
+          <a:lstStyle/>
+          <a:p>
+            <a:pPr marL="0" indent="0">
+              <a:buNone/>
+            </a:pPr>
+            <a:r>
+              <a:rPr lang="en-US" dirty="0"/>
+              <a:t>Type</a:t>
+            </a:r>
+          </a:p>
+          <a:p>
+            <a:pPr marL="0" indent="0">
+              <a:buNone/>
+            </a:pPr>
+            <a:r>
+              <a:rPr lang="en-US" dirty="0"/>
+              <a:t>Interface</a:t>
+            </a:r>
+          </a:p>
+          <a:p>
+            <a:pPr marL="0" indent="0">
+              <a:buNone/>
+            </a:pPr>
+            <a:endParaRPr lang="en-US" dirty="0"/>
+          </a:p>
+        </p:txBody>
+      </p:sp>
+    </p:spTree>
+    <p:extLst>
+      <p:ext uri="{BB962C8B-B14F-4D97-AF65-F5344CB8AC3E}">
+        <p14:creationId xmlns:p14="http://schemas.microsoft.com/office/powerpoint/2010/main" val="3247779181"/>
       </p:ext>
     </p:extLst>
   </p:cSld>

--- a/advance-typescript.pptx
+++ b/advance-typescript.pptx
@@ -6,9 +6,7 @@
   </p:sldMasterIdLst>
   <p:sldIdLst>
     <p:sldId id="256" r:id="rId2"/>
-    <p:sldId id="257" r:id="rId3"/>
-    <p:sldId id="258" r:id="rId4"/>
-    <p:sldId id="259" r:id="rId5"/>
+    <p:sldId id="258" r:id="rId3"/>
   </p:sldIdLst>
   <p:sldSz cx="12192000" cy="6858000"/>
   <p:notesSz cx="6858000" cy="9144000"/>
@@ -264,7 +262,7 @@
           <a:p>
             <a:fld id="{610DEFEF-6024-EA42-94FF-6FD89BB1093D}" type="datetimeFigureOut">
               <a:rPr lang="en-US" smtClean="0"/>
-              <a:t>11/7/22</a:t>
+              <a:t>11/13/22</a:t>
             </a:fld>
             <a:endParaRPr lang="en-US"/>
           </a:p>
@@ -464,7 +462,7 @@
           <a:p>
             <a:fld id="{610DEFEF-6024-EA42-94FF-6FD89BB1093D}" type="datetimeFigureOut">
               <a:rPr lang="en-US" smtClean="0"/>
-              <a:t>11/7/22</a:t>
+              <a:t>11/13/22</a:t>
             </a:fld>
             <a:endParaRPr lang="en-US"/>
           </a:p>
@@ -674,7 +672,7 @@
           <a:p>
             <a:fld id="{610DEFEF-6024-EA42-94FF-6FD89BB1093D}" type="datetimeFigureOut">
               <a:rPr lang="en-US" smtClean="0"/>
-              <a:t>11/7/22</a:t>
+              <a:t>11/13/22</a:t>
             </a:fld>
             <a:endParaRPr lang="en-US"/>
           </a:p>
@@ -874,7 +872,7 @@
           <a:p>
             <a:fld id="{610DEFEF-6024-EA42-94FF-6FD89BB1093D}" type="datetimeFigureOut">
               <a:rPr lang="en-US" smtClean="0"/>
-              <a:t>11/7/22</a:t>
+              <a:t>11/13/22</a:t>
             </a:fld>
             <a:endParaRPr lang="en-US"/>
           </a:p>
@@ -1150,7 +1148,7 @@
           <a:p>
             <a:fld id="{610DEFEF-6024-EA42-94FF-6FD89BB1093D}" type="datetimeFigureOut">
               <a:rPr lang="en-US" smtClean="0"/>
-              <a:t>11/7/22</a:t>
+              <a:t>11/13/22</a:t>
             </a:fld>
             <a:endParaRPr lang="en-US"/>
           </a:p>
@@ -1418,7 +1416,7 @@
           <a:p>
             <a:fld id="{610DEFEF-6024-EA42-94FF-6FD89BB1093D}" type="datetimeFigureOut">
               <a:rPr lang="en-US" smtClean="0"/>
-              <a:t>11/7/22</a:t>
+              <a:t>11/13/22</a:t>
             </a:fld>
             <a:endParaRPr lang="en-US"/>
           </a:p>
@@ -1833,7 +1831,7 @@
           <a:p>
             <a:fld id="{610DEFEF-6024-EA42-94FF-6FD89BB1093D}" type="datetimeFigureOut">
               <a:rPr lang="en-US" smtClean="0"/>
-              <a:t>11/7/22</a:t>
+              <a:t>11/13/22</a:t>
             </a:fld>
             <a:endParaRPr lang="en-US"/>
           </a:p>
@@ -1975,7 +1973,7 @@
           <a:p>
             <a:fld id="{610DEFEF-6024-EA42-94FF-6FD89BB1093D}" type="datetimeFigureOut">
               <a:rPr lang="en-US" smtClean="0"/>
-              <a:t>11/7/22</a:t>
+              <a:t>11/13/22</a:t>
             </a:fld>
             <a:endParaRPr lang="en-US"/>
           </a:p>
@@ -2088,7 +2086,7 @@
           <a:p>
             <a:fld id="{610DEFEF-6024-EA42-94FF-6FD89BB1093D}" type="datetimeFigureOut">
               <a:rPr lang="en-US" smtClean="0"/>
-              <a:t>11/7/22</a:t>
+              <a:t>11/13/22</a:t>
             </a:fld>
             <a:endParaRPr lang="en-US"/>
           </a:p>
@@ -2401,7 +2399,7 @@
           <a:p>
             <a:fld id="{610DEFEF-6024-EA42-94FF-6FD89BB1093D}" type="datetimeFigureOut">
               <a:rPr lang="en-US" smtClean="0"/>
-              <a:t>11/7/22</a:t>
+              <a:t>11/13/22</a:t>
             </a:fld>
             <a:endParaRPr lang="en-US"/>
           </a:p>
@@ -2690,7 +2688,7 @@
           <a:p>
             <a:fld id="{610DEFEF-6024-EA42-94FF-6FD89BB1093D}" type="datetimeFigureOut">
               <a:rPr lang="en-US" smtClean="0"/>
-              <a:t>11/7/22</a:t>
+              <a:t>11/13/22</a:t>
             </a:fld>
             <a:endParaRPr lang="en-US"/>
           </a:p>
@@ -2933,7 +2931,7 @@
           <a:p>
             <a:fld id="{610DEFEF-6024-EA42-94FF-6FD89BB1093D}" type="datetimeFigureOut">
               <a:rPr lang="en-US" smtClean="0"/>
-              <a:t>11/7/22</a:t>
+              <a:t>11/13/22</a:t>
             </a:fld>
             <a:endParaRPr lang="en-US"/>
           </a:p>
@@ -3406,6 +3404,38 @@
           </a:p>
         </p:txBody>
       </p:sp>
+      <p:sp>
+        <p:nvSpPr>
+          <p:cNvPr id="4" name="TextBox 3">
+            <a:extLst>
+              <a:ext uri="{FF2B5EF4-FFF2-40B4-BE49-F238E27FC236}">
+                <a16:creationId xmlns:a16="http://schemas.microsoft.com/office/drawing/2014/main" id="{B0CBD239-364C-11CA-2D08-B56B2C27338D}"/>
+              </a:ext>
+            </a:extLst>
+          </p:cNvPr>
+          <p:cNvSpPr txBox="1"/>
+          <p:nvPr/>
+        </p:nvSpPr>
+        <p:spPr>
+          <a:xfrm>
+            <a:off x="8624711" y="4323644"/>
+            <a:ext cx="184731" cy="369332"/>
+          </a:xfrm>
+          <a:prstGeom prst="rect">
+            <a:avLst/>
+          </a:prstGeom>
+          <a:noFill/>
+        </p:spPr>
+        <p:txBody>
+          <a:bodyPr wrap="none" rtlCol="0">
+            <a:spAutoFit/>
+          </a:bodyPr>
+          <a:lstStyle/>
+          <a:p>
+            <a:endParaRPr lang="en-US" dirty="0"/>
+          </a:p>
+        </p:txBody>
+      </p:sp>
     </p:spTree>
     <p:extLst>
       <p:ext uri="{BB962C8B-B14F-4D97-AF65-F5344CB8AC3E}">
@@ -3441,126 +3471,6 @@
           <p:cNvPr id="2" name="Title 1">
             <a:extLst>
               <a:ext uri="{FF2B5EF4-FFF2-40B4-BE49-F238E27FC236}">
-                <a16:creationId xmlns:a16="http://schemas.microsoft.com/office/drawing/2014/main" id="{122A8E3F-2733-30C7-8FAC-8742A2FD0D49}"/>
-              </a:ext>
-            </a:extLst>
-          </p:cNvPr>
-          <p:cNvSpPr>
-            <a:spLocks noGrp="1"/>
-          </p:cNvSpPr>
-          <p:nvPr>
-            <p:ph type="title"/>
-          </p:nvPr>
-        </p:nvSpPr>
-        <p:spPr/>
-        <p:txBody>
-          <a:bodyPr/>
-          <a:lstStyle/>
-          <a:p>
-            <a:r>
-              <a:rPr lang="en-US" dirty="0"/>
-              <a:t>Why TypeScript</a:t>
-            </a:r>
-          </a:p>
-        </p:txBody>
-      </p:sp>
-      <p:sp>
-        <p:nvSpPr>
-          <p:cNvPr id="3" name="Content Placeholder 2">
-            <a:extLst>
-              <a:ext uri="{FF2B5EF4-FFF2-40B4-BE49-F238E27FC236}">
-                <a16:creationId xmlns:a16="http://schemas.microsoft.com/office/drawing/2014/main" id="{13C8C163-78FF-ABF0-6FD4-A22B9169D28A}"/>
-              </a:ext>
-            </a:extLst>
-          </p:cNvPr>
-          <p:cNvSpPr>
-            <a:spLocks noGrp="1"/>
-          </p:cNvSpPr>
-          <p:nvPr>
-            <p:ph idx="1"/>
-          </p:nvPr>
-        </p:nvSpPr>
-        <p:spPr/>
-        <p:txBody>
-          <a:bodyPr/>
-          <a:lstStyle/>
-          <a:p>
-            <a:pPr>
-              <a:buFontTx/>
-              <a:buChar char="-"/>
-            </a:pPr>
-            <a:r>
-              <a:rPr lang="en-US" dirty="0"/>
-              <a:t>Without Type: less code but certain concern</a:t>
-            </a:r>
-          </a:p>
-          <a:p>
-            <a:pPr>
-              <a:buFontTx/>
-              <a:buChar char="-"/>
-            </a:pPr>
-            <a:r>
-              <a:rPr lang="en-US" dirty="0"/>
-              <a:t>With Type: a bit more code to be confident</a:t>
-            </a:r>
-          </a:p>
-          <a:p>
-            <a:pPr>
-              <a:buFontTx/>
-              <a:buChar char="-"/>
-            </a:pPr>
-            <a:r>
-              <a:rPr lang="en-US" dirty="0"/>
-              <a:t>more effort during development than facing more bug on production.</a:t>
-            </a:r>
-          </a:p>
-          <a:p>
-            <a:pPr>
-              <a:buFontTx/>
-              <a:buChar char="-"/>
-            </a:pPr>
-            <a:r>
-              <a:rPr lang="en-US" dirty="0"/>
-              <a:t>Documenting and better collaboration. </a:t>
-            </a:r>
-          </a:p>
-        </p:txBody>
-      </p:sp>
-    </p:spTree>
-    <p:extLst>
-      <p:ext uri="{BB962C8B-B14F-4D97-AF65-F5344CB8AC3E}">
-        <p14:creationId xmlns:p14="http://schemas.microsoft.com/office/powerpoint/2010/main" val="2401134377"/>
-      </p:ext>
-    </p:extLst>
-  </p:cSld>
-  <p:clrMapOvr>
-    <a:masterClrMapping/>
-  </p:clrMapOvr>
-</p:sld>
-</file>
-
-<file path=ppt/slides/slide3.xml><?xml version="1.0" encoding="utf-8"?>
-<p:sld xmlns:a="http://schemas.openxmlformats.org/drawingml/2006/main" xmlns:r="http://schemas.openxmlformats.org/officeDocument/2006/relationships" xmlns:p="http://schemas.openxmlformats.org/presentationml/2006/main">
-  <p:cSld>
-    <p:spTree>
-      <p:nvGrpSpPr>
-        <p:cNvPr id="1" name=""/>
-        <p:cNvGrpSpPr/>
-        <p:nvPr/>
-      </p:nvGrpSpPr>
-      <p:grpSpPr>
-        <a:xfrm>
-          <a:off x="0" y="0"/>
-          <a:ext cx="0" cy="0"/>
-          <a:chOff x="0" y="0"/>
-          <a:chExt cx="0" cy="0"/>
-        </a:xfrm>
-      </p:grpSpPr>
-      <p:sp>
-        <p:nvSpPr>
-          <p:cNvPr id="2" name="Title 1">
-            <a:extLst>
-              <a:ext uri="{FF2B5EF4-FFF2-40B4-BE49-F238E27FC236}">
                 <a16:creationId xmlns:a16="http://schemas.microsoft.com/office/drawing/2014/main" id="{8FED8F58-D78C-6E31-4489-A8FF1725AC3D}"/>
               </a:ext>
             </a:extLst>
@@ -3614,19 +3524,19 @@
           <a:p>
             <a:r>
               <a:rPr lang="en-US" sz="1400" dirty="0"/>
-              <a:t>Recap of type</a:t>
+              <a:t>Common use case</a:t>
             </a:r>
           </a:p>
           <a:p>
             <a:r>
               <a:rPr lang="en-US" sz="1400" dirty="0"/>
-              <a:t>Common use case</a:t>
+              <a:t>Omit </a:t>
             </a:r>
           </a:p>
           <a:p>
             <a:r>
               <a:rPr lang="en-US" sz="1400" dirty="0"/>
-              <a:t>Omit</a:t>
+              <a:t>Pick</a:t>
             </a:r>
           </a:p>
           <a:p>
@@ -3645,13 +3555,13 @@
           <a:p>
             <a:r>
               <a:rPr lang="en-US" sz="1400" dirty="0"/>
-              <a:t>Pick</a:t>
+              <a:t>Custom type</a:t>
             </a:r>
           </a:p>
           <a:p>
             <a:r>
               <a:rPr lang="en-US" sz="1400" dirty="0"/>
-              <a:t>Custom type combination</a:t>
+              <a:t>Generic Class</a:t>
             </a:r>
           </a:p>
           <a:p>
@@ -3663,7 +3573,7 @@
           <a:p>
             <a:r>
               <a:rPr lang="en-US" sz="1400" dirty="0"/>
-              <a:t>Function Return Type as type</a:t>
+              <a:t>Return Type</a:t>
             </a:r>
           </a:p>
         </p:txBody>
@@ -3672,110 +3582,6 @@
     <p:extLst>
       <p:ext uri="{BB962C8B-B14F-4D97-AF65-F5344CB8AC3E}">
         <p14:creationId xmlns:p14="http://schemas.microsoft.com/office/powerpoint/2010/main" val="3026053337"/>
-      </p:ext>
-    </p:extLst>
-  </p:cSld>
-  <p:clrMapOvr>
-    <a:masterClrMapping/>
-  </p:clrMapOvr>
-</p:sld>
-</file>
-
-<file path=ppt/slides/slide4.xml><?xml version="1.0" encoding="utf-8"?>
-<p:sld xmlns:a="http://schemas.openxmlformats.org/drawingml/2006/main" xmlns:r="http://schemas.openxmlformats.org/officeDocument/2006/relationships" xmlns:p="http://schemas.openxmlformats.org/presentationml/2006/main">
-  <p:cSld>
-    <p:spTree>
-      <p:nvGrpSpPr>
-        <p:cNvPr id="1" name=""/>
-        <p:cNvGrpSpPr/>
-        <p:nvPr/>
-      </p:nvGrpSpPr>
-      <p:grpSpPr>
-        <a:xfrm>
-          <a:off x="0" y="0"/>
-          <a:ext cx="0" cy="0"/>
-          <a:chOff x="0" y="0"/>
-          <a:chExt cx="0" cy="0"/>
-        </a:xfrm>
-      </p:grpSpPr>
-      <p:sp>
-        <p:nvSpPr>
-          <p:cNvPr id="2" name="Title 1">
-            <a:extLst>
-              <a:ext uri="{FF2B5EF4-FFF2-40B4-BE49-F238E27FC236}">
-                <a16:creationId xmlns:a16="http://schemas.microsoft.com/office/drawing/2014/main" id="{DD9A8744-1C8E-AE2E-F929-24F0B10BDA61}"/>
-              </a:ext>
-            </a:extLst>
-          </p:cNvPr>
-          <p:cNvSpPr>
-            <a:spLocks noGrp="1"/>
-          </p:cNvSpPr>
-          <p:nvPr>
-            <p:ph type="title"/>
-          </p:nvPr>
-        </p:nvSpPr>
-        <p:spPr/>
-        <p:txBody>
-          <a:bodyPr/>
-          <a:lstStyle/>
-          <a:p>
-            <a:r>
-              <a:rPr lang="en-US" dirty="0"/>
-              <a:t>Recap of type</a:t>
-            </a:r>
-          </a:p>
-        </p:txBody>
-      </p:sp>
-      <p:sp>
-        <p:nvSpPr>
-          <p:cNvPr id="3" name="Content Placeholder 2">
-            <a:extLst>
-              <a:ext uri="{FF2B5EF4-FFF2-40B4-BE49-F238E27FC236}">
-                <a16:creationId xmlns:a16="http://schemas.microsoft.com/office/drawing/2014/main" id="{CF537009-2E82-6F22-7FE9-D126E437E04D}"/>
-              </a:ext>
-            </a:extLst>
-          </p:cNvPr>
-          <p:cNvSpPr>
-            <a:spLocks noGrp="1"/>
-          </p:cNvSpPr>
-          <p:nvPr>
-            <p:ph idx="1"/>
-          </p:nvPr>
-        </p:nvSpPr>
-        <p:spPr/>
-        <p:txBody>
-          <a:bodyPr/>
-          <a:lstStyle/>
-          <a:p>
-            <a:pPr marL="0" indent="0">
-              <a:buNone/>
-            </a:pPr>
-            <a:r>
-              <a:rPr lang="en-US" dirty="0"/>
-              <a:t>Type</a:t>
-            </a:r>
-          </a:p>
-          <a:p>
-            <a:pPr marL="0" indent="0">
-              <a:buNone/>
-            </a:pPr>
-            <a:r>
-              <a:rPr lang="en-US" dirty="0"/>
-              <a:t>Interface</a:t>
-            </a:r>
-          </a:p>
-          <a:p>
-            <a:pPr marL="0" indent="0">
-              <a:buNone/>
-            </a:pPr>
-            <a:endParaRPr lang="en-US" dirty="0"/>
-          </a:p>
-        </p:txBody>
-      </p:sp>
-    </p:spTree>
-    <p:extLst>
-      <p:ext uri="{BB962C8B-B14F-4D97-AF65-F5344CB8AC3E}">
-        <p14:creationId xmlns:p14="http://schemas.microsoft.com/office/powerpoint/2010/main" val="3247779181"/>
       </p:ext>
     </p:extLst>
   </p:cSld>

--- a/advance-typescript.pptx
+++ b/advance-typescript.pptx
@@ -204,7 +204,7 @@
           <a:p>
             <a:fld id="{429F56F1-B7BE-2B42-9E13-70D74B798449}" type="datetimeFigureOut">
               <a:rPr lang="en-US" smtClean="0"/>
-              <a:t>11/14/22</a:t>
+              <a:t>11/15/22</a:t>
             </a:fld>
             <a:endParaRPr lang="en-US"/>
           </a:p>
@@ -827,7 +827,7 @@
           <a:p>
             <a:fld id="{610DEFEF-6024-EA42-94FF-6FD89BB1093D}" type="datetimeFigureOut">
               <a:rPr lang="en-US" smtClean="0"/>
-              <a:t>11/14/22</a:t>
+              <a:t>11/15/22</a:t>
             </a:fld>
             <a:endParaRPr lang="en-US"/>
           </a:p>
@@ -1027,7 +1027,7 @@
           <a:p>
             <a:fld id="{610DEFEF-6024-EA42-94FF-6FD89BB1093D}" type="datetimeFigureOut">
               <a:rPr lang="en-US" smtClean="0"/>
-              <a:t>11/14/22</a:t>
+              <a:t>11/15/22</a:t>
             </a:fld>
             <a:endParaRPr lang="en-US"/>
           </a:p>
@@ -1237,7 +1237,7 @@
           <a:p>
             <a:fld id="{610DEFEF-6024-EA42-94FF-6FD89BB1093D}" type="datetimeFigureOut">
               <a:rPr lang="en-US" smtClean="0"/>
-              <a:t>11/14/22</a:t>
+              <a:t>11/15/22</a:t>
             </a:fld>
             <a:endParaRPr lang="en-US"/>
           </a:p>
@@ -13601,7 +13601,7 @@
           <a:p>
             <a:fld id="{610DEFEF-6024-EA42-94FF-6FD89BB1093D}" type="datetimeFigureOut">
               <a:rPr lang="en-US" smtClean="0"/>
-              <a:t>11/14/22</a:t>
+              <a:t>11/15/22</a:t>
             </a:fld>
             <a:endParaRPr lang="en-US"/>
           </a:p>
@@ -13877,7 +13877,7 @@
           <a:p>
             <a:fld id="{610DEFEF-6024-EA42-94FF-6FD89BB1093D}" type="datetimeFigureOut">
               <a:rPr lang="en-US" smtClean="0"/>
-              <a:t>11/14/22</a:t>
+              <a:t>11/15/22</a:t>
             </a:fld>
             <a:endParaRPr lang="en-US"/>
           </a:p>
@@ -14145,7 +14145,7 @@
           <a:p>
             <a:fld id="{610DEFEF-6024-EA42-94FF-6FD89BB1093D}" type="datetimeFigureOut">
               <a:rPr lang="en-US" smtClean="0"/>
-              <a:t>11/14/22</a:t>
+              <a:t>11/15/22</a:t>
             </a:fld>
             <a:endParaRPr lang="en-US"/>
           </a:p>
@@ -14560,7 +14560,7 @@
           <a:p>
             <a:fld id="{610DEFEF-6024-EA42-94FF-6FD89BB1093D}" type="datetimeFigureOut">
               <a:rPr lang="en-US" smtClean="0"/>
-              <a:t>11/14/22</a:t>
+              <a:t>11/15/22</a:t>
             </a:fld>
             <a:endParaRPr lang="en-US"/>
           </a:p>
@@ -14702,7 +14702,7 @@
           <a:p>
             <a:fld id="{610DEFEF-6024-EA42-94FF-6FD89BB1093D}" type="datetimeFigureOut">
               <a:rPr lang="en-US" smtClean="0"/>
-              <a:t>11/14/22</a:t>
+              <a:t>11/15/22</a:t>
             </a:fld>
             <a:endParaRPr lang="en-US"/>
           </a:p>
@@ -14815,7 +14815,7 @@
           <a:p>
             <a:fld id="{610DEFEF-6024-EA42-94FF-6FD89BB1093D}" type="datetimeFigureOut">
               <a:rPr lang="en-US" smtClean="0"/>
-              <a:t>11/14/22</a:t>
+              <a:t>11/15/22</a:t>
             </a:fld>
             <a:endParaRPr lang="en-US"/>
           </a:p>
@@ -15128,7 +15128,7 @@
           <a:p>
             <a:fld id="{610DEFEF-6024-EA42-94FF-6FD89BB1093D}" type="datetimeFigureOut">
               <a:rPr lang="en-US" smtClean="0"/>
-              <a:t>11/14/22</a:t>
+              <a:t>11/15/22</a:t>
             </a:fld>
             <a:endParaRPr lang="en-US"/>
           </a:p>
@@ -15417,7 +15417,7 @@
           <a:p>
             <a:fld id="{610DEFEF-6024-EA42-94FF-6FD89BB1093D}" type="datetimeFigureOut">
               <a:rPr lang="en-US" smtClean="0"/>
-              <a:t>11/14/22</a:t>
+              <a:t>11/15/22</a:t>
             </a:fld>
             <a:endParaRPr lang="en-US"/>
           </a:p>
@@ -15660,7 +15660,7 @@
           <a:p>
             <a:fld id="{610DEFEF-6024-EA42-94FF-6FD89BB1093D}" type="datetimeFigureOut">
               <a:rPr lang="en-US" smtClean="0"/>
-              <a:t>11/14/22</a:t>
+              <a:t>11/15/22</a:t>
             </a:fld>
             <a:endParaRPr lang="en-US"/>
           </a:p>
@@ -18028,7 +18028,7 @@
           <a:p>
             <a:r>
               <a:rPr lang="en-US" sz="2000" dirty="0"/>
-              <a:t>General use</a:t>
+              <a:t>General Use</a:t>
             </a:r>
           </a:p>
           <a:p>
@@ -18075,20 +18075,21 @@
             <a:pPr lvl="1"/>
             <a:r>
               <a:rPr lang="en-US" sz="2000" dirty="0"/>
-              <a:t>Return Type</a:t>
+              <a:t>ReturnType</a:t>
             </a:r>
           </a:p>
           <a:p>
             <a:r>
               <a:rPr lang="en-US" sz="2000" dirty="0"/>
-              <a:t>Template literal type</a:t>
+              <a:t>Template Literal Type</a:t>
             </a:r>
           </a:p>
           <a:p>
             <a:r>
-              <a:rPr lang="en-US" sz="2000" dirty="0"/>
-              <a:t>Type guard</a:t>
+              <a:rPr lang="en-US" sz="2000"/>
+              <a:t>Type Guard</a:t>
             </a:r>
+            <a:endParaRPr lang="en-US" sz="2000" dirty="0"/>
           </a:p>
           <a:p>
             <a:pPr lvl="2"/>

--- a/advance-typescript.pptx
+++ b/advance-typescript.pptx
@@ -18028,7 +18028,7 @@
           <a:p>
             <a:r>
               <a:rPr lang="en-US" sz="2000" dirty="0"/>
-              <a:t>General Use</a:t>
+              <a:t>General Use Case</a:t>
             </a:r>
           </a:p>
           <a:p>
@@ -18086,10 +18086,9 @@
           </a:p>
           <a:p>
             <a:r>
-              <a:rPr lang="en-US" sz="2000"/>
+              <a:rPr lang="en-US" sz="2000" dirty="0"/>
               <a:t>Type Guard</a:t>
             </a:r>
-            <a:endParaRPr lang="en-US" sz="2000" dirty="0"/>
           </a:p>
           <a:p>
             <a:pPr lvl="2"/>

--- a/advance-typescript.pptx
+++ b/advance-typescript.pptx
@@ -204,7 +204,7 @@
           <a:p>
             <a:fld id="{429F56F1-B7BE-2B42-9E13-70D74B798449}" type="datetimeFigureOut">
               <a:rPr lang="en-US" smtClean="0"/>
-              <a:t>11/15/22</a:t>
+              <a:t>11/16/22</a:t>
             </a:fld>
             <a:endParaRPr lang="en-US"/>
           </a:p>
@@ -619,6 +619,269 @@
           <a:bodyPr/>
           <a:lstStyle/>
           <a:p>
+            <a:r>
+              <a:rPr lang="en-US" dirty="0"/>
+              <a:t>These are the most common ones, but we have other types which we not going to explain</a:t>
+            </a:r>
+          </a:p>
+        </p:txBody>
+      </p:sp>
+      <p:sp>
+        <p:nvSpPr>
+          <p:cNvPr id="4" name="Slide Number Placeholder 3"/>
+          <p:cNvSpPr>
+            <a:spLocks noGrp="1"/>
+          </p:cNvSpPr>
+          <p:nvPr>
+            <p:ph type="sldNum" sz="quarter" idx="5"/>
+          </p:nvPr>
+        </p:nvSpPr>
+        <p:spPr/>
+        <p:txBody>
+          <a:bodyPr/>
+          <a:lstStyle/>
+          <a:p>
+            <a:fld id="{C834F6F6-0564-A24E-8394-889EB998909E}" type="slidenum">
+              <a:rPr lang="en-US" smtClean="0"/>
+              <a:t>3</a:t>
+            </a:fld>
+            <a:endParaRPr lang="en-US"/>
+          </a:p>
+        </p:txBody>
+      </p:sp>
+    </p:spTree>
+    <p:extLst>
+      <p:ext uri="{BB962C8B-B14F-4D97-AF65-F5344CB8AC3E}">
+        <p14:creationId xmlns:p14="http://schemas.microsoft.com/office/powerpoint/2010/main" val="1983540901"/>
+      </p:ext>
+    </p:extLst>
+  </p:cSld>
+  <p:clrMapOvr>
+    <a:masterClrMapping/>
+  </p:clrMapOvr>
+</p:notes>
+</file>
+
+<file path=ppt/notesSlides/notesSlide3.xml><?xml version="1.0" encoding="utf-8"?>
+<p:notes xmlns:a="http://schemas.openxmlformats.org/drawingml/2006/main" xmlns:r="http://schemas.openxmlformats.org/officeDocument/2006/relationships" xmlns:p="http://schemas.openxmlformats.org/presentationml/2006/main">
+  <p:cSld>
+    <p:spTree>
+      <p:nvGrpSpPr>
+        <p:cNvPr id="1" name=""/>
+        <p:cNvGrpSpPr/>
+        <p:nvPr/>
+      </p:nvGrpSpPr>
+      <p:grpSpPr>
+        <a:xfrm>
+          <a:off x="0" y="0"/>
+          <a:ext cx="0" cy="0"/>
+          <a:chOff x="0" y="0"/>
+          <a:chExt cx="0" cy="0"/>
+        </a:xfrm>
+      </p:grpSpPr>
+      <p:sp>
+        <p:nvSpPr>
+          <p:cNvPr id="2" name="Slide Image Placeholder 1"/>
+          <p:cNvSpPr>
+            <a:spLocks noGrp="1" noRot="1" noChangeAspect="1"/>
+          </p:cNvSpPr>
+          <p:nvPr>
+            <p:ph type="sldImg"/>
+          </p:nvPr>
+        </p:nvSpPr>
+        <p:spPr/>
+      </p:sp>
+      <p:sp>
+        <p:nvSpPr>
+          <p:cNvPr id="3" name="Notes Placeholder 2"/>
+          <p:cNvSpPr>
+            <a:spLocks noGrp="1"/>
+          </p:cNvSpPr>
+          <p:nvPr>
+            <p:ph type="body" idx="1"/>
+          </p:nvPr>
+        </p:nvSpPr>
+        <p:spPr/>
+        <p:txBody>
+          <a:bodyPr/>
+          <a:lstStyle/>
+          <a:p>
+            <a:endParaRPr lang="en-US" dirty="0"/>
+          </a:p>
+        </p:txBody>
+      </p:sp>
+      <p:sp>
+        <p:nvSpPr>
+          <p:cNvPr id="4" name="Slide Number Placeholder 3"/>
+          <p:cNvSpPr>
+            <a:spLocks noGrp="1"/>
+          </p:cNvSpPr>
+          <p:nvPr>
+            <p:ph type="sldNum" sz="quarter" idx="5"/>
+          </p:nvPr>
+        </p:nvSpPr>
+        <p:spPr/>
+        <p:txBody>
+          <a:bodyPr/>
+          <a:lstStyle/>
+          <a:p>
+            <a:fld id="{C834F6F6-0564-A24E-8394-889EB998909E}" type="slidenum">
+              <a:rPr lang="en-US" smtClean="0"/>
+              <a:t>4</a:t>
+            </a:fld>
+            <a:endParaRPr lang="en-US"/>
+          </a:p>
+        </p:txBody>
+      </p:sp>
+    </p:spTree>
+    <p:extLst>
+      <p:ext uri="{BB962C8B-B14F-4D97-AF65-F5344CB8AC3E}">
+        <p14:creationId xmlns:p14="http://schemas.microsoft.com/office/powerpoint/2010/main" val="581519702"/>
+      </p:ext>
+    </p:extLst>
+  </p:cSld>
+  <p:clrMapOvr>
+    <a:masterClrMapping/>
+  </p:clrMapOvr>
+</p:notes>
+</file>
+
+<file path=ppt/notesSlides/notesSlide4.xml><?xml version="1.0" encoding="utf-8"?>
+<p:notes xmlns:a="http://schemas.openxmlformats.org/drawingml/2006/main" xmlns:r="http://schemas.openxmlformats.org/officeDocument/2006/relationships" xmlns:p="http://schemas.openxmlformats.org/presentationml/2006/main">
+  <p:cSld>
+    <p:spTree>
+      <p:nvGrpSpPr>
+        <p:cNvPr id="1" name=""/>
+        <p:cNvGrpSpPr/>
+        <p:nvPr/>
+      </p:nvGrpSpPr>
+      <p:grpSpPr>
+        <a:xfrm>
+          <a:off x="0" y="0"/>
+          <a:ext cx="0" cy="0"/>
+          <a:chOff x="0" y="0"/>
+          <a:chExt cx="0" cy="0"/>
+        </a:xfrm>
+      </p:grpSpPr>
+      <p:sp>
+        <p:nvSpPr>
+          <p:cNvPr id="2" name="Slide Image Placeholder 1"/>
+          <p:cNvSpPr>
+            <a:spLocks noGrp="1" noRot="1" noChangeAspect="1"/>
+          </p:cNvSpPr>
+          <p:nvPr>
+            <p:ph type="sldImg"/>
+          </p:nvPr>
+        </p:nvSpPr>
+        <p:spPr/>
+      </p:sp>
+      <p:sp>
+        <p:nvSpPr>
+          <p:cNvPr id="3" name="Notes Placeholder 2"/>
+          <p:cNvSpPr>
+            <a:spLocks noGrp="1"/>
+          </p:cNvSpPr>
+          <p:nvPr>
+            <p:ph type="body" idx="1"/>
+          </p:nvPr>
+        </p:nvSpPr>
+        <p:spPr/>
+        <p:txBody>
+          <a:bodyPr/>
+          <a:lstStyle/>
+          <a:p>
+            <a:r>
+              <a:rPr lang="en-US" dirty="0"/>
+              <a:t>Interface represents data model. Some people call it data modeling, contract, shape, struct – stuck is </a:t>
+            </a:r>
+            <a:r>
+              <a:rPr lang="en-US" dirty="0" err="1"/>
+              <a:t>c++</a:t>
+            </a:r>
+            <a:endParaRPr lang="en-US" dirty="0"/>
+          </a:p>
+        </p:txBody>
+      </p:sp>
+      <p:sp>
+        <p:nvSpPr>
+          <p:cNvPr id="4" name="Slide Number Placeholder 3"/>
+          <p:cNvSpPr>
+            <a:spLocks noGrp="1"/>
+          </p:cNvSpPr>
+          <p:nvPr>
+            <p:ph type="sldNum" sz="quarter" idx="5"/>
+          </p:nvPr>
+        </p:nvSpPr>
+        <p:spPr/>
+        <p:txBody>
+          <a:bodyPr/>
+          <a:lstStyle/>
+          <a:p>
+            <a:fld id="{C834F6F6-0564-A24E-8394-889EB998909E}" type="slidenum">
+              <a:rPr lang="en-US" smtClean="0"/>
+              <a:t>5</a:t>
+            </a:fld>
+            <a:endParaRPr lang="en-US"/>
+          </a:p>
+        </p:txBody>
+      </p:sp>
+    </p:spTree>
+    <p:extLst>
+      <p:ext uri="{BB962C8B-B14F-4D97-AF65-F5344CB8AC3E}">
+        <p14:creationId xmlns:p14="http://schemas.microsoft.com/office/powerpoint/2010/main" val="441669012"/>
+      </p:ext>
+    </p:extLst>
+  </p:cSld>
+  <p:clrMapOvr>
+    <a:masterClrMapping/>
+  </p:clrMapOvr>
+</p:notes>
+</file>
+
+<file path=ppt/notesSlides/notesSlide5.xml><?xml version="1.0" encoding="utf-8"?>
+<p:notes xmlns:a="http://schemas.openxmlformats.org/drawingml/2006/main" xmlns:r="http://schemas.openxmlformats.org/officeDocument/2006/relationships" xmlns:p="http://schemas.openxmlformats.org/presentationml/2006/main">
+  <p:cSld>
+    <p:spTree>
+      <p:nvGrpSpPr>
+        <p:cNvPr id="1" name=""/>
+        <p:cNvGrpSpPr/>
+        <p:nvPr/>
+      </p:nvGrpSpPr>
+      <p:grpSpPr>
+        <a:xfrm>
+          <a:off x="0" y="0"/>
+          <a:ext cx="0" cy="0"/>
+          <a:chOff x="0" y="0"/>
+          <a:chExt cx="0" cy="0"/>
+        </a:xfrm>
+      </p:grpSpPr>
+      <p:sp>
+        <p:nvSpPr>
+          <p:cNvPr id="2" name="Slide Image Placeholder 1"/>
+          <p:cNvSpPr>
+            <a:spLocks noGrp="1" noRot="1" noChangeAspect="1"/>
+          </p:cNvSpPr>
+          <p:nvPr>
+            <p:ph type="sldImg"/>
+          </p:nvPr>
+        </p:nvSpPr>
+        <p:spPr/>
+      </p:sp>
+      <p:sp>
+        <p:nvSpPr>
+          <p:cNvPr id="3" name="Notes Placeholder 2"/>
+          <p:cNvSpPr>
+            <a:spLocks noGrp="1"/>
+          </p:cNvSpPr>
+          <p:nvPr>
+            <p:ph type="body" idx="1"/>
+          </p:nvPr>
+        </p:nvSpPr>
+        <p:spPr/>
+        <p:txBody>
+          <a:bodyPr/>
+          <a:lstStyle/>
+          <a:p>
             <a:endParaRPr lang="en-US" dirty="0"/>
           </a:p>
         </p:txBody>
@@ -827,7 +1090,7 @@
           <a:p>
             <a:fld id="{610DEFEF-6024-EA42-94FF-6FD89BB1093D}" type="datetimeFigureOut">
               <a:rPr lang="en-US" smtClean="0"/>
-              <a:t>11/15/22</a:t>
+              <a:t>11/16/22</a:t>
             </a:fld>
             <a:endParaRPr lang="en-US"/>
           </a:p>
@@ -1027,7 +1290,7 @@
           <a:p>
             <a:fld id="{610DEFEF-6024-EA42-94FF-6FD89BB1093D}" type="datetimeFigureOut">
               <a:rPr lang="en-US" smtClean="0"/>
-              <a:t>11/15/22</a:t>
+              <a:t>11/16/22</a:t>
             </a:fld>
             <a:endParaRPr lang="en-US"/>
           </a:p>
@@ -1237,7 +1500,7 @@
           <a:p>
             <a:fld id="{610DEFEF-6024-EA42-94FF-6FD89BB1093D}" type="datetimeFigureOut">
               <a:rPr lang="en-US" smtClean="0"/>
-              <a:t>11/15/22</a:t>
+              <a:t>11/16/22</a:t>
             </a:fld>
             <a:endParaRPr lang="en-US"/>
           </a:p>
@@ -13601,7 +13864,7 @@
           <a:p>
             <a:fld id="{610DEFEF-6024-EA42-94FF-6FD89BB1093D}" type="datetimeFigureOut">
               <a:rPr lang="en-US" smtClean="0"/>
-              <a:t>11/15/22</a:t>
+              <a:t>11/16/22</a:t>
             </a:fld>
             <a:endParaRPr lang="en-US"/>
           </a:p>
@@ -13877,7 +14140,7 @@
           <a:p>
             <a:fld id="{610DEFEF-6024-EA42-94FF-6FD89BB1093D}" type="datetimeFigureOut">
               <a:rPr lang="en-US" smtClean="0"/>
-              <a:t>11/15/22</a:t>
+              <a:t>11/16/22</a:t>
             </a:fld>
             <a:endParaRPr lang="en-US"/>
           </a:p>
@@ -14145,7 +14408,7 @@
           <a:p>
             <a:fld id="{610DEFEF-6024-EA42-94FF-6FD89BB1093D}" type="datetimeFigureOut">
               <a:rPr lang="en-US" smtClean="0"/>
-              <a:t>11/15/22</a:t>
+              <a:t>11/16/22</a:t>
             </a:fld>
             <a:endParaRPr lang="en-US"/>
           </a:p>
@@ -14560,7 +14823,7 @@
           <a:p>
             <a:fld id="{610DEFEF-6024-EA42-94FF-6FD89BB1093D}" type="datetimeFigureOut">
               <a:rPr lang="en-US" smtClean="0"/>
-              <a:t>11/15/22</a:t>
+              <a:t>11/16/22</a:t>
             </a:fld>
             <a:endParaRPr lang="en-US"/>
           </a:p>
@@ -14702,7 +14965,7 @@
           <a:p>
             <a:fld id="{610DEFEF-6024-EA42-94FF-6FD89BB1093D}" type="datetimeFigureOut">
               <a:rPr lang="en-US" smtClean="0"/>
-              <a:t>11/15/22</a:t>
+              <a:t>11/16/22</a:t>
             </a:fld>
             <a:endParaRPr lang="en-US"/>
           </a:p>
@@ -14815,7 +15078,7 @@
           <a:p>
             <a:fld id="{610DEFEF-6024-EA42-94FF-6FD89BB1093D}" type="datetimeFigureOut">
               <a:rPr lang="en-US" smtClean="0"/>
-              <a:t>11/15/22</a:t>
+              <a:t>11/16/22</a:t>
             </a:fld>
             <a:endParaRPr lang="en-US"/>
           </a:p>
@@ -15128,7 +15391,7 @@
           <a:p>
             <a:fld id="{610DEFEF-6024-EA42-94FF-6FD89BB1093D}" type="datetimeFigureOut">
               <a:rPr lang="en-US" smtClean="0"/>
-              <a:t>11/15/22</a:t>
+              <a:t>11/16/22</a:t>
             </a:fld>
             <a:endParaRPr lang="en-US"/>
           </a:p>
@@ -15417,7 +15680,7 @@
           <a:p>
             <a:fld id="{610DEFEF-6024-EA42-94FF-6FD89BB1093D}" type="datetimeFigureOut">
               <a:rPr lang="en-US" smtClean="0"/>
-              <a:t>11/15/22</a:t>
+              <a:t>11/16/22</a:t>
             </a:fld>
             <a:endParaRPr lang="en-US"/>
           </a:p>
@@ -15660,7 +15923,7 @@
           <a:p>
             <a:fld id="{610DEFEF-6024-EA42-94FF-6FD89BB1093D}" type="datetimeFigureOut">
               <a:rPr lang="en-US" smtClean="0"/>
-              <a:t>11/15/22</a:t>
+              <a:t>11/16/22</a:t>
             </a:fld>
             <a:endParaRPr lang="en-US"/>
           </a:p>
@@ -17452,7 +17715,7 @@
             <a:pPr lvl="1" algn="l"/>
             <a:r>
               <a:rPr lang="en-MY" sz="3000" dirty="0"/>
-              <a:t>1. Basic Type</a:t>
+              <a:t>1. Common Types</a:t>
             </a:r>
           </a:p>
           <a:p>
@@ -17472,7 +17735,7 @@
             </a:pPr>
             <a:r>
               <a:rPr lang="en-MY" sz="3000" dirty="0"/>
-              <a:t>boolean</a:t>
+              <a:t>string</a:t>
             </a:r>
           </a:p>
           <a:p>
@@ -17482,7 +17745,7 @@
             </a:pPr>
             <a:r>
               <a:rPr lang="en-MY" sz="3000" dirty="0"/>
-              <a:t>string</a:t>
+              <a:t>boolean</a:t>
             </a:r>
           </a:p>
           <a:p>
@@ -17584,19 +17847,26 @@
         </p:nvSpPr>
         <p:spPr>
           <a:xfrm>
-            <a:off x="772510" y="430021"/>
-            <a:ext cx="5084871" cy="1020827"/>
+            <a:off x="565247" y="1083455"/>
+            <a:ext cx="4079906" cy="1020827"/>
           </a:xfrm>
         </p:spPr>
         <p:txBody>
           <a:bodyPr>
-            <a:normAutofit/>
+            <a:normAutofit fontScale="90000"/>
           </a:bodyPr>
           <a:lstStyle/>
           <a:p>
             <a:r>
               <a:rPr lang="en-US" dirty="0"/>
-              <a:t>Basic Types</a:t>
+              <a:t>Differences Between</a:t>
+            </a:r>
+            <a:br>
+              <a:rPr lang="en-US" dirty="0"/>
+            </a:br>
+            <a:r>
+              <a:rPr lang="en-US" dirty="0"/>
+              <a:t>Common Types </a:t>
             </a:r>
           </a:p>
         </p:txBody>
@@ -17664,36 +17934,6 @@
       </p:sp>
       <p:pic>
         <p:nvPicPr>
-          <p:cNvPr id="9" name="Picture 8" descr="Text&#10;&#10;Description automatically generated">
-            <a:extLst>
-              <a:ext uri="{FF2B5EF4-FFF2-40B4-BE49-F238E27FC236}">
-                <a16:creationId xmlns:a16="http://schemas.microsoft.com/office/drawing/2014/main" id="{7D4B30E6-CEDA-BB9B-1502-F7652C1D4C36}"/>
-              </a:ext>
-            </a:extLst>
-          </p:cNvPr>
-          <p:cNvPicPr>
-            <a:picLocks noChangeAspect="1"/>
-          </p:cNvPicPr>
-          <p:nvPr/>
-        </p:nvPicPr>
-        <p:blipFill>
-          <a:blip r:embed="rId2"/>
-          <a:stretch>
-            <a:fillRect/>
-          </a:stretch>
-        </p:blipFill>
-        <p:spPr>
-          <a:xfrm>
-            <a:off x="5175145" y="3806063"/>
-            <a:ext cx="6146800" cy="2857500"/>
-          </a:xfrm>
-          <a:prstGeom prst="rect">
-            <a:avLst/>
-          </a:prstGeom>
-        </p:spPr>
-      </p:pic>
-      <p:pic>
-        <p:nvPicPr>
           <p:cNvPr id="11" name="Picture 10" descr="Text&#10;&#10;Description automatically generated">
             <a:extLst>
               <a:ext uri="{FF2B5EF4-FFF2-40B4-BE49-F238E27FC236}">
@@ -17714,8 +17954,38 @@
         </p:blipFill>
         <p:spPr>
           <a:xfrm>
-            <a:off x="5151225" y="733860"/>
+            <a:off x="4806845" y="797732"/>
             <a:ext cx="6194640" cy="2862000"/>
+          </a:xfrm>
+          <a:prstGeom prst="rect">
+            <a:avLst/>
+          </a:prstGeom>
+        </p:spPr>
+      </p:pic>
+      <p:pic>
+        <p:nvPicPr>
+          <p:cNvPr id="8" name="Picture 7" descr="Text&#10;&#10;Description automatically generated">
+            <a:extLst>
+              <a:ext uri="{FF2B5EF4-FFF2-40B4-BE49-F238E27FC236}">
+                <a16:creationId xmlns:a16="http://schemas.microsoft.com/office/drawing/2014/main" id="{7BAF81EF-9658-1118-BFB9-099571EAF721}"/>
+              </a:ext>
+            </a:extLst>
+          </p:cNvPr>
+          <p:cNvPicPr>
+            <a:picLocks noChangeAspect="1"/>
+          </p:cNvPicPr>
+          <p:nvPr/>
+        </p:nvPicPr>
+        <p:blipFill>
+          <a:blip r:embed="rId4"/>
+          <a:stretch>
+            <a:fillRect/>
+          </a:stretch>
+        </p:blipFill>
+        <p:spPr>
+          <a:xfrm>
+            <a:off x="4806845" y="3825113"/>
+            <a:ext cx="6883400" cy="2819400"/>
           </a:xfrm>
           <a:prstGeom prst="rect">
             <a:avLst/>
@@ -17893,14 +18163,14 @@
           <p:nvPr/>
         </p:nvPicPr>
         <p:blipFill>
-          <a:blip r:embed="rId2"/>
+          <a:blip r:embed="rId3"/>
           <a:stretch>
             <a:fillRect/>
           </a:stretch>
         </p:blipFill>
         <p:spPr>
           <a:xfrm>
-            <a:off x="5073549" y="714850"/>
+            <a:off x="4841901" y="617482"/>
             <a:ext cx="5346700" cy="2819400"/>
           </a:xfrm>
           <a:prstGeom prst="rect">
@@ -17923,14 +18193,14 @@
           <p:nvPr/>
         </p:nvPicPr>
         <p:blipFill>
-          <a:blip r:embed="rId3"/>
+          <a:blip r:embed="rId4"/>
           <a:stretch>
             <a:fillRect/>
           </a:stretch>
         </p:blipFill>
         <p:spPr>
           <a:xfrm>
-            <a:off x="5073549" y="3705417"/>
+            <a:off x="4841901" y="3726574"/>
             <a:ext cx="5346700" cy="2857500"/>
           </a:xfrm>
           <a:prstGeom prst="rect">

--- a/advance-typescript.pptx
+++ b/advance-typescript.pptx
@@ -5,7 +5,7 @@
     <p:sldMasterId id="2147483648" r:id="rId1"/>
   </p:sldMasterIdLst>
   <p:notesMasterIdLst>
-    <p:notesMasterId r:id="rId10"/>
+    <p:notesMasterId r:id="rId11"/>
   </p:notesMasterIdLst>
   <p:sldIdLst>
     <p:sldId id="332" r:id="rId2"/>
@@ -15,7 +15,8 @@
     <p:sldId id="2145705984" r:id="rId6"/>
     <p:sldId id="2145705981" r:id="rId7"/>
     <p:sldId id="2145705980" r:id="rId8"/>
-    <p:sldId id="383" r:id="rId9"/>
+    <p:sldId id="2145705986" r:id="rId9"/>
+    <p:sldId id="383" r:id="rId10"/>
   </p:sldIdLst>
   <p:sldSz cx="12192000" cy="6858000"/>
   <p:notesSz cx="6858000" cy="9144000"/>
@@ -204,7 +205,7 @@
           <a:p>
             <a:fld id="{429F56F1-B7BE-2B42-9E13-70D74B798449}" type="datetimeFigureOut">
               <a:rPr lang="en-US" smtClean="0"/>
-              <a:t>11/16/22</a:t>
+              <a:t>11/17/22</a:t>
             </a:fld>
             <a:endParaRPr lang="en-US"/>
           </a:p>
@@ -941,6 +942,90 @@
 </p:notes>
 </file>
 
+<file path=ppt/notesSlides/notesSlide6.xml><?xml version="1.0" encoding="utf-8"?>
+<p:notes xmlns:a="http://schemas.openxmlformats.org/drawingml/2006/main" xmlns:r="http://schemas.openxmlformats.org/officeDocument/2006/relationships" xmlns:p="http://schemas.openxmlformats.org/presentationml/2006/main">
+  <p:cSld>
+    <p:spTree>
+      <p:nvGrpSpPr>
+        <p:cNvPr id="1" name=""/>
+        <p:cNvGrpSpPr/>
+        <p:nvPr/>
+      </p:nvGrpSpPr>
+      <p:grpSpPr>
+        <a:xfrm>
+          <a:off x="0" y="0"/>
+          <a:ext cx="0" cy="0"/>
+          <a:chOff x="0" y="0"/>
+          <a:chExt cx="0" cy="0"/>
+        </a:xfrm>
+      </p:grpSpPr>
+      <p:sp>
+        <p:nvSpPr>
+          <p:cNvPr id="2" name="Slide Image Placeholder 1"/>
+          <p:cNvSpPr>
+            <a:spLocks noGrp="1" noRot="1" noChangeAspect="1"/>
+          </p:cNvSpPr>
+          <p:nvPr>
+            <p:ph type="sldImg"/>
+          </p:nvPr>
+        </p:nvSpPr>
+        <p:spPr/>
+      </p:sp>
+      <p:sp>
+        <p:nvSpPr>
+          <p:cNvPr id="3" name="Notes Placeholder 2"/>
+          <p:cNvSpPr>
+            <a:spLocks noGrp="1"/>
+          </p:cNvSpPr>
+          <p:nvPr>
+            <p:ph type="body" idx="1"/>
+          </p:nvPr>
+        </p:nvSpPr>
+        <p:spPr/>
+        <p:txBody>
+          <a:bodyPr/>
+          <a:lstStyle/>
+          <a:p>
+            <a:endParaRPr lang="en-US" dirty="0"/>
+          </a:p>
+        </p:txBody>
+      </p:sp>
+      <p:sp>
+        <p:nvSpPr>
+          <p:cNvPr id="4" name="Slide Number Placeholder 3"/>
+          <p:cNvSpPr>
+            <a:spLocks noGrp="1"/>
+          </p:cNvSpPr>
+          <p:nvPr>
+            <p:ph type="sldNum" sz="quarter" idx="5"/>
+          </p:nvPr>
+        </p:nvSpPr>
+        <p:spPr/>
+        <p:txBody>
+          <a:bodyPr/>
+          <a:lstStyle/>
+          <a:p>
+            <a:fld id="{C834F6F6-0564-A24E-8394-889EB998909E}" type="slidenum">
+              <a:rPr lang="en-US" smtClean="0"/>
+              <a:t>8</a:t>
+            </a:fld>
+            <a:endParaRPr lang="en-US"/>
+          </a:p>
+        </p:txBody>
+      </p:sp>
+    </p:spTree>
+    <p:extLst>
+      <p:ext uri="{BB962C8B-B14F-4D97-AF65-F5344CB8AC3E}">
+        <p14:creationId xmlns:p14="http://schemas.microsoft.com/office/powerpoint/2010/main" val="127834135"/>
+      </p:ext>
+    </p:extLst>
+  </p:cSld>
+  <p:clrMapOvr>
+    <a:masterClrMapping/>
+  </p:clrMapOvr>
+</p:notes>
+</file>
+
 <file path=ppt/slideLayouts/slideLayout1.xml><?xml version="1.0" encoding="utf-8"?>
 <p:sldLayout xmlns:a="http://schemas.openxmlformats.org/drawingml/2006/main" xmlns:r="http://schemas.openxmlformats.org/officeDocument/2006/relationships" xmlns:p="http://schemas.openxmlformats.org/presentationml/2006/main" type="title" preserve="1">
   <p:cSld name="Title Slide">
@@ -1090,7 +1175,7 @@
           <a:p>
             <a:fld id="{610DEFEF-6024-EA42-94FF-6FD89BB1093D}" type="datetimeFigureOut">
               <a:rPr lang="en-US" smtClean="0"/>
-              <a:t>11/16/22</a:t>
+              <a:t>11/17/22</a:t>
             </a:fld>
             <a:endParaRPr lang="en-US"/>
           </a:p>
@@ -1290,7 +1375,7 @@
           <a:p>
             <a:fld id="{610DEFEF-6024-EA42-94FF-6FD89BB1093D}" type="datetimeFigureOut">
               <a:rPr lang="en-US" smtClean="0"/>
-              <a:t>11/16/22</a:t>
+              <a:t>11/17/22</a:t>
             </a:fld>
             <a:endParaRPr lang="en-US"/>
           </a:p>
@@ -1500,7 +1585,7 @@
           <a:p>
             <a:fld id="{610DEFEF-6024-EA42-94FF-6FD89BB1093D}" type="datetimeFigureOut">
               <a:rPr lang="en-US" smtClean="0"/>
-              <a:t>11/16/22</a:t>
+              <a:t>11/17/22</a:t>
             </a:fld>
             <a:endParaRPr lang="en-US"/>
           </a:p>
@@ -13864,7 +13949,7 @@
           <a:p>
             <a:fld id="{610DEFEF-6024-EA42-94FF-6FD89BB1093D}" type="datetimeFigureOut">
               <a:rPr lang="en-US" smtClean="0"/>
-              <a:t>11/16/22</a:t>
+              <a:t>11/17/22</a:t>
             </a:fld>
             <a:endParaRPr lang="en-US"/>
           </a:p>
@@ -14140,7 +14225,7 @@
           <a:p>
             <a:fld id="{610DEFEF-6024-EA42-94FF-6FD89BB1093D}" type="datetimeFigureOut">
               <a:rPr lang="en-US" smtClean="0"/>
-              <a:t>11/16/22</a:t>
+              <a:t>11/17/22</a:t>
             </a:fld>
             <a:endParaRPr lang="en-US"/>
           </a:p>
@@ -14408,7 +14493,7 @@
           <a:p>
             <a:fld id="{610DEFEF-6024-EA42-94FF-6FD89BB1093D}" type="datetimeFigureOut">
               <a:rPr lang="en-US" smtClean="0"/>
-              <a:t>11/16/22</a:t>
+              <a:t>11/17/22</a:t>
             </a:fld>
             <a:endParaRPr lang="en-US"/>
           </a:p>
@@ -14823,7 +14908,7 @@
           <a:p>
             <a:fld id="{610DEFEF-6024-EA42-94FF-6FD89BB1093D}" type="datetimeFigureOut">
               <a:rPr lang="en-US" smtClean="0"/>
-              <a:t>11/16/22</a:t>
+              <a:t>11/17/22</a:t>
             </a:fld>
             <a:endParaRPr lang="en-US"/>
           </a:p>
@@ -14965,7 +15050,7 @@
           <a:p>
             <a:fld id="{610DEFEF-6024-EA42-94FF-6FD89BB1093D}" type="datetimeFigureOut">
               <a:rPr lang="en-US" smtClean="0"/>
-              <a:t>11/16/22</a:t>
+              <a:t>11/17/22</a:t>
             </a:fld>
             <a:endParaRPr lang="en-US"/>
           </a:p>
@@ -15078,7 +15163,7 @@
           <a:p>
             <a:fld id="{610DEFEF-6024-EA42-94FF-6FD89BB1093D}" type="datetimeFigureOut">
               <a:rPr lang="en-US" smtClean="0"/>
-              <a:t>11/16/22</a:t>
+              <a:t>11/17/22</a:t>
             </a:fld>
             <a:endParaRPr lang="en-US"/>
           </a:p>
@@ -15391,7 +15476,7 @@
           <a:p>
             <a:fld id="{610DEFEF-6024-EA42-94FF-6FD89BB1093D}" type="datetimeFigureOut">
               <a:rPr lang="en-US" smtClean="0"/>
-              <a:t>11/16/22</a:t>
+              <a:t>11/17/22</a:t>
             </a:fld>
             <a:endParaRPr lang="en-US"/>
           </a:p>
@@ -15680,7 +15765,7 @@
           <a:p>
             <a:fld id="{610DEFEF-6024-EA42-94FF-6FD89BB1093D}" type="datetimeFigureOut">
               <a:rPr lang="en-US" smtClean="0"/>
-              <a:t>11/16/22</a:t>
+              <a:t>11/17/22</a:t>
             </a:fld>
             <a:endParaRPr lang="en-US"/>
           </a:p>
@@ -15923,7 +16008,7 @@
           <a:p>
             <a:fld id="{610DEFEF-6024-EA42-94FF-6FD89BB1093D}" type="datetimeFigureOut">
               <a:rPr lang="en-US" smtClean="0"/>
-              <a:t>11/16/22</a:t>
+              <a:t>11/17/22</a:t>
             </a:fld>
             <a:endParaRPr lang="en-US"/>
           </a:p>
@@ -18564,6 +18649,246 @@
       </p:grpSpPr>
       <p:sp>
         <p:nvSpPr>
+          <p:cNvPr id="5" name="Title 4">
+            <a:extLst>
+              <a:ext uri="{FF2B5EF4-FFF2-40B4-BE49-F238E27FC236}">
+                <a16:creationId xmlns:a16="http://schemas.microsoft.com/office/drawing/2014/main" id="{32392B2F-B4D3-29BD-919C-10A76E27952E}"/>
+              </a:ext>
+            </a:extLst>
+          </p:cNvPr>
+          <p:cNvSpPr>
+            <a:spLocks noGrp="1"/>
+          </p:cNvSpPr>
+          <p:nvPr>
+            <p:ph type="title"/>
+          </p:nvPr>
+        </p:nvSpPr>
+        <p:spPr>
+          <a:xfrm>
+            <a:off x="313828" y="430021"/>
+            <a:ext cx="5587100" cy="1020827"/>
+          </a:xfrm>
+        </p:spPr>
+        <p:txBody>
+          <a:bodyPr>
+            <a:normAutofit/>
+          </a:bodyPr>
+          <a:lstStyle/>
+          <a:p>
+            <a:r>
+              <a:rPr lang="en-US" sz="6000" b="1" dirty="0"/>
+              <a:t>References</a:t>
+            </a:r>
+          </a:p>
+        </p:txBody>
+      </p:sp>
+      <p:sp>
+        <p:nvSpPr>
+          <p:cNvPr id="6" name="Rectangle 5">
+            <a:extLst>
+              <a:ext uri="{FF2B5EF4-FFF2-40B4-BE49-F238E27FC236}">
+                <a16:creationId xmlns:a16="http://schemas.microsoft.com/office/drawing/2014/main" id="{4EFC326E-DB8C-6C48-5D75-854E088A8503}"/>
+              </a:ext>
+            </a:extLst>
+          </p:cNvPr>
+          <p:cNvSpPr/>
+          <p:nvPr/>
+        </p:nvSpPr>
+        <p:spPr>
+          <a:xfrm>
+            <a:off x="5885162" y="-15766"/>
+            <a:ext cx="6306838" cy="6873766"/>
+          </a:xfrm>
+          <a:prstGeom prst="rect">
+            <a:avLst/>
+          </a:prstGeom>
+          <a:gradFill flip="none" rotWithShape="1">
+            <a:gsLst>
+              <a:gs pos="0">
+                <a:srgbClr val="07B0A8"/>
+              </a:gs>
+              <a:gs pos="100000">
+                <a:srgbClr val="00B0F0"/>
+              </a:gs>
+            </a:gsLst>
+            <a:lin ang="18900000" scaled="1"/>
+            <a:tileRect/>
+          </a:gradFill>
+          <a:ln>
+            <a:noFill/>
+          </a:ln>
+        </p:spPr>
+        <p:style>
+          <a:lnRef idx="2">
+            <a:schemeClr val="accent1">
+              <a:shade val="50000"/>
+            </a:schemeClr>
+          </a:lnRef>
+          <a:fillRef idx="1">
+            <a:schemeClr val="accent1"/>
+          </a:fillRef>
+          <a:effectRef idx="0">
+            <a:schemeClr val="accent1"/>
+          </a:effectRef>
+          <a:fontRef idx="minor">
+            <a:schemeClr val="lt1"/>
+          </a:fontRef>
+        </p:style>
+        <p:txBody>
+          <a:bodyPr rtlCol="0" anchor="ctr"/>
+          <a:lstStyle/>
+          <a:p>
+            <a:pPr algn="ctr"/>
+            <a:endParaRPr lang="en-US" sz="2400" dirty="0"/>
+          </a:p>
+        </p:txBody>
+      </p:sp>
+      <p:sp>
+        <p:nvSpPr>
+          <p:cNvPr id="7" name="TextBox 6">
+            <a:extLst>
+              <a:ext uri="{FF2B5EF4-FFF2-40B4-BE49-F238E27FC236}">
+                <a16:creationId xmlns:a16="http://schemas.microsoft.com/office/drawing/2014/main" id="{947AF02B-F846-470C-7777-F52EFB677502}"/>
+              </a:ext>
+            </a:extLst>
+          </p:cNvPr>
+          <p:cNvSpPr txBox="1"/>
+          <p:nvPr/>
+        </p:nvSpPr>
+        <p:spPr>
+          <a:xfrm>
+            <a:off x="6260797" y="2828835"/>
+            <a:ext cx="5587100" cy="1200329"/>
+          </a:xfrm>
+          <a:prstGeom prst="rect">
+            <a:avLst/>
+          </a:prstGeom>
+          <a:noFill/>
+        </p:spPr>
+        <p:txBody>
+          <a:bodyPr wrap="square">
+            <a:spAutoFit/>
+          </a:bodyPr>
+          <a:lstStyle/>
+          <a:p>
+            <a:r>
+              <a:rPr kumimoji="0" lang="en-US" sz="2400" b="0" i="0" u="none" strike="noStrike" kern="1200" cap="none" spc="0" normalizeH="0" baseline="0" noProof="0" dirty="0">
+                <a:ln>
+                  <a:noFill/>
+                </a:ln>
+                <a:solidFill>
+                  <a:schemeClr val="bg1"/>
+                </a:solidFill>
+                <a:effectLst/>
+                <a:uLnTx/>
+                <a:uFillTx/>
+                <a:latin typeface="Calibri" panose="020F0502020204030204"/>
+                <a:ea typeface="+mn-ea"/>
+                <a:cs typeface="+mn-cs"/>
+                <a:hlinkClick r:id="rId3">
+                  <a:extLst>
+                    <a:ext uri="{A12FA001-AC4F-418D-AE19-62706E023703}">
+                      <ahyp:hlinkClr xmlns:ahyp="http://schemas.microsoft.com/office/drawing/2018/hyperlinkcolor" val="tx"/>
+                    </a:ext>
+                  </a:extLst>
+                </a:hlinkClick>
+              </a:rPr>
+              <a:t>Interface</a:t>
+            </a:r>
+            <a:endParaRPr lang="en-US" sz="2400" dirty="0">
+              <a:solidFill>
+                <a:schemeClr val="bg1"/>
+              </a:solidFill>
+              <a:hlinkClick r:id="rId4">
+                <a:extLst>
+                  <a:ext uri="{A12FA001-AC4F-418D-AE19-62706E023703}">
+                    <ahyp:hlinkClr xmlns:ahyp="http://schemas.microsoft.com/office/drawing/2018/hyperlinkcolor" val="tx"/>
+                  </a:ext>
+                </a:extLst>
+              </a:hlinkClick>
+            </a:endParaRPr>
+          </a:p>
+          <a:p>
+            <a:pPr marL="0" indent="0">
+              <a:buNone/>
+            </a:pPr>
+            <a:r>
+              <a:rPr lang="en-US" sz="2400" dirty="0">
+                <a:solidFill>
+                  <a:schemeClr val="bg1"/>
+                </a:solidFill>
+                <a:hlinkClick r:id="rId4">
+                  <a:extLst>
+                    <a:ext uri="{A12FA001-AC4F-418D-AE19-62706E023703}">
+                      <ahyp:hlinkClr xmlns:ahyp="http://schemas.microsoft.com/office/drawing/2018/hyperlinkcolor" val="tx"/>
+                    </a:ext>
+                  </a:extLst>
+                </a:hlinkClick>
+              </a:rPr>
+              <a:t>Utility Types</a:t>
+            </a:r>
+            <a:endParaRPr lang="en-US" sz="2400" dirty="0">
+              <a:solidFill>
+                <a:schemeClr val="bg1"/>
+              </a:solidFill>
+            </a:endParaRPr>
+          </a:p>
+          <a:p>
+            <a:r>
+              <a:rPr lang="en-US" sz="2400" dirty="0">
+                <a:solidFill>
+                  <a:schemeClr val="bg1"/>
+                </a:solidFill>
+                <a:hlinkClick r:id="rId5">
+                  <a:extLst>
+                    <a:ext uri="{A12FA001-AC4F-418D-AE19-62706E023703}">
+                      <ahyp:hlinkClr xmlns:ahyp="http://schemas.microsoft.com/office/drawing/2018/hyperlinkcolor" val="tx"/>
+                    </a:ext>
+                  </a:extLst>
+                </a:hlinkClick>
+              </a:rPr>
+              <a:t>Workshop Repository</a:t>
+            </a:r>
+            <a:endParaRPr lang="en-US" sz="2400" dirty="0">
+              <a:solidFill>
+                <a:schemeClr val="bg1"/>
+              </a:solidFill>
+            </a:endParaRPr>
+          </a:p>
+        </p:txBody>
+      </p:sp>
+    </p:spTree>
+    <p:extLst>
+      <p:ext uri="{BB962C8B-B14F-4D97-AF65-F5344CB8AC3E}">
+        <p14:creationId xmlns:p14="http://schemas.microsoft.com/office/powerpoint/2010/main" val="3511301204"/>
+      </p:ext>
+    </p:extLst>
+  </p:cSld>
+  <p:clrMapOvr>
+    <a:masterClrMapping/>
+  </p:clrMapOvr>
+</p:sld>
+</file>
+
+<file path=ppt/slides/slide9.xml><?xml version="1.0" encoding="utf-8"?>
+<p:sld xmlns:a="http://schemas.openxmlformats.org/drawingml/2006/main" xmlns:r="http://schemas.openxmlformats.org/officeDocument/2006/relationships" xmlns:p="http://schemas.openxmlformats.org/presentationml/2006/main">
+  <p:cSld>
+    <p:spTree>
+      <p:nvGrpSpPr>
+        <p:cNvPr id="1" name=""/>
+        <p:cNvGrpSpPr/>
+        <p:nvPr/>
+      </p:nvGrpSpPr>
+      <p:grpSpPr>
+        <a:xfrm>
+          <a:off x="0" y="0"/>
+          <a:ext cx="0" cy="0"/>
+          <a:chOff x="0" y="0"/>
+          <a:chExt cx="0" cy="0"/>
+        </a:xfrm>
+      </p:grpSpPr>
+      <p:sp>
+        <p:nvSpPr>
           <p:cNvPr id="24" name="Title 23">
             <a:extLst>
               <a:ext uri="{FF2B5EF4-FFF2-40B4-BE49-F238E27FC236}">

--- a/advance-typescript.pptx
+++ b/advance-typescript.pptx
@@ -205,7 +205,7 @@
           <a:p>
             <a:fld id="{429F56F1-B7BE-2B42-9E13-70D74B798449}" type="datetimeFigureOut">
               <a:rPr lang="en-US" smtClean="0"/>
-              <a:t>11/17/22</a:t>
+              <a:t>11/21/22</a:t>
             </a:fld>
             <a:endParaRPr lang="en-US"/>
           </a:p>
@@ -1175,7 +1175,7 @@
           <a:p>
             <a:fld id="{610DEFEF-6024-EA42-94FF-6FD89BB1093D}" type="datetimeFigureOut">
               <a:rPr lang="en-US" smtClean="0"/>
-              <a:t>11/17/22</a:t>
+              <a:t>11/21/22</a:t>
             </a:fld>
             <a:endParaRPr lang="en-US"/>
           </a:p>
@@ -1375,7 +1375,7 @@
           <a:p>
             <a:fld id="{610DEFEF-6024-EA42-94FF-6FD89BB1093D}" type="datetimeFigureOut">
               <a:rPr lang="en-US" smtClean="0"/>
-              <a:t>11/17/22</a:t>
+              <a:t>11/21/22</a:t>
             </a:fld>
             <a:endParaRPr lang="en-US"/>
           </a:p>
@@ -1585,7 +1585,7 @@
           <a:p>
             <a:fld id="{610DEFEF-6024-EA42-94FF-6FD89BB1093D}" type="datetimeFigureOut">
               <a:rPr lang="en-US" smtClean="0"/>
-              <a:t>11/17/22</a:t>
+              <a:t>11/21/22</a:t>
             </a:fld>
             <a:endParaRPr lang="en-US"/>
           </a:p>
@@ -13949,7 +13949,7 @@
           <a:p>
             <a:fld id="{610DEFEF-6024-EA42-94FF-6FD89BB1093D}" type="datetimeFigureOut">
               <a:rPr lang="en-US" smtClean="0"/>
-              <a:t>11/17/22</a:t>
+              <a:t>11/21/22</a:t>
             </a:fld>
             <a:endParaRPr lang="en-US"/>
           </a:p>
@@ -14225,7 +14225,7 @@
           <a:p>
             <a:fld id="{610DEFEF-6024-EA42-94FF-6FD89BB1093D}" type="datetimeFigureOut">
               <a:rPr lang="en-US" smtClean="0"/>
-              <a:t>11/17/22</a:t>
+              <a:t>11/21/22</a:t>
             </a:fld>
             <a:endParaRPr lang="en-US"/>
           </a:p>
@@ -14493,7 +14493,7 @@
           <a:p>
             <a:fld id="{610DEFEF-6024-EA42-94FF-6FD89BB1093D}" type="datetimeFigureOut">
               <a:rPr lang="en-US" smtClean="0"/>
-              <a:t>11/17/22</a:t>
+              <a:t>11/21/22</a:t>
             </a:fld>
             <a:endParaRPr lang="en-US"/>
           </a:p>
@@ -14908,7 +14908,7 @@
           <a:p>
             <a:fld id="{610DEFEF-6024-EA42-94FF-6FD89BB1093D}" type="datetimeFigureOut">
               <a:rPr lang="en-US" smtClean="0"/>
-              <a:t>11/17/22</a:t>
+              <a:t>11/21/22</a:t>
             </a:fld>
             <a:endParaRPr lang="en-US"/>
           </a:p>
@@ -15050,7 +15050,7 @@
           <a:p>
             <a:fld id="{610DEFEF-6024-EA42-94FF-6FD89BB1093D}" type="datetimeFigureOut">
               <a:rPr lang="en-US" smtClean="0"/>
-              <a:t>11/17/22</a:t>
+              <a:t>11/21/22</a:t>
             </a:fld>
             <a:endParaRPr lang="en-US"/>
           </a:p>
@@ -15163,7 +15163,7 @@
           <a:p>
             <a:fld id="{610DEFEF-6024-EA42-94FF-6FD89BB1093D}" type="datetimeFigureOut">
               <a:rPr lang="en-US" smtClean="0"/>
-              <a:t>11/17/22</a:t>
+              <a:t>11/21/22</a:t>
             </a:fld>
             <a:endParaRPr lang="en-US"/>
           </a:p>
@@ -15476,7 +15476,7 @@
           <a:p>
             <a:fld id="{610DEFEF-6024-EA42-94FF-6FD89BB1093D}" type="datetimeFigureOut">
               <a:rPr lang="en-US" smtClean="0"/>
-              <a:t>11/17/22</a:t>
+              <a:t>11/21/22</a:t>
             </a:fld>
             <a:endParaRPr lang="en-US"/>
           </a:p>
@@ -15765,7 +15765,7 @@
           <a:p>
             <a:fld id="{610DEFEF-6024-EA42-94FF-6FD89BB1093D}" type="datetimeFigureOut">
               <a:rPr lang="en-US" smtClean="0"/>
-              <a:t>11/17/22</a:t>
+              <a:t>11/21/22</a:t>
             </a:fld>
             <a:endParaRPr lang="en-US"/>
           </a:p>
@@ -16008,7 +16008,7 @@
           <a:p>
             <a:fld id="{610DEFEF-6024-EA42-94FF-6FD89BB1093D}" type="datetimeFigureOut">
               <a:rPr lang="en-US" smtClean="0"/>
-              <a:t>11/17/22</a:t>
+              <a:t>11/21/22</a:t>
             </a:fld>
             <a:endParaRPr lang="en-US"/>
           </a:p>
@@ -18441,9 +18441,10 @@
           </a:p>
           <a:p>
             <a:r>
-              <a:rPr lang="en-US" sz="2000" dirty="0"/>
-              <a:t>Type Guard</a:t>
+              <a:rPr lang="en-US" sz="2000" dirty="0" err="1"/>
+              <a:t>TypeGuard</a:t>
             </a:r>
+            <a:endParaRPr lang="en-US" sz="2000" dirty="0"/>
           </a:p>
           <a:p>
             <a:pPr lvl="2"/>
@@ -18758,7 +18759,7 @@
         <p:spPr>
           <a:xfrm>
             <a:off x="6260797" y="2828835"/>
-            <a:ext cx="5587100" cy="1200329"/>
+            <a:ext cx="5587100" cy="1938992"/>
           </a:xfrm>
           <a:prstGeom prst="rect">
             <a:avLst/>
@@ -18795,6 +18796,22 @@
               </a:rPr>
               <a:t>Interface</a:t>
             </a:r>
+            <a:endParaRPr kumimoji="0" lang="en-US" sz="2400" b="0" i="0" u="none" strike="noStrike" kern="1200" cap="none" spc="0" normalizeH="0" baseline="0" noProof="0" dirty="0">
+              <a:ln>
+                <a:noFill/>
+              </a:ln>
+              <a:solidFill>
+                <a:schemeClr val="bg1"/>
+              </a:solidFill>
+              <a:effectLst/>
+              <a:uLnTx/>
+              <a:uFillTx/>
+              <a:latin typeface="Calibri" panose="020F0502020204030204"/>
+              <a:ea typeface="+mn-ea"/>
+              <a:cs typeface="+mn-cs"/>
+            </a:endParaRPr>
+          </a:p>
+          <a:p>
             <a:endParaRPr lang="en-US" sz="2400" dirty="0">
               <a:solidFill>
                 <a:schemeClr val="bg1"/>
@@ -18825,8 +18842,33 @@
                   </a:extLst>
                 </a:hlinkClick>
               </a:rPr>
-              <a:t>Utility Types</a:t>
+              <a:t>Utility</a:t>
             </a:r>
+            <a:r>
+              <a:rPr lang="en-US" sz="2400" dirty="0">
+                <a:solidFill>
+                  <a:schemeClr val="bg1"/>
+                </a:solidFill>
+                <a:hlinkClick r:id="rId4">
+                  <a:extLst>
+                    <a:ext uri="{A12FA001-AC4F-418D-AE19-62706E023703}">
+                      <ahyp:hlinkClr xmlns:ahyp="http://schemas.microsoft.com/office/drawing/2018/hyperlinkcolor" val="tx"/>
+                    </a:ext>
+                  </a:extLst>
+                </a:hlinkClick>
+              </a:rPr>
+              <a:t> Types</a:t>
+            </a:r>
+            <a:endParaRPr lang="en-US" sz="2400" dirty="0">
+              <a:solidFill>
+                <a:schemeClr val="bg1"/>
+              </a:solidFill>
+            </a:endParaRPr>
+          </a:p>
+          <a:p>
+            <a:pPr marL="0" indent="0">
+              <a:buNone/>
+            </a:pPr>
             <a:endParaRPr lang="en-US" sz="2400" dirty="0">
               <a:solidFill>
                 <a:schemeClr val="bg1"/>

--- a/advance-typescript.pptx
+++ b/advance-typescript.pptx
@@ -205,7 +205,7 @@
           <a:p>
             <a:fld id="{429F56F1-B7BE-2B42-9E13-70D74B798449}" type="datetimeFigureOut">
               <a:rPr lang="en-US" smtClean="0"/>
-              <a:t>11/21/22</a:t>
+              <a:t>11/22/22</a:t>
             </a:fld>
             <a:endParaRPr lang="en-US"/>
           </a:p>
@@ -620,10 +620,7 @@
           <a:bodyPr/>
           <a:lstStyle/>
           <a:p>
-            <a:r>
-              <a:rPr lang="en-US" dirty="0"/>
-              <a:t>These are the most common ones, but we have other types which we not going to explain</a:t>
-            </a:r>
+            <a:endParaRPr lang="en-US" dirty="0"/>
           </a:p>
         </p:txBody>
       </p:sp>
@@ -791,14 +788,6 @@
           <a:bodyPr/>
           <a:lstStyle/>
           <a:p>
-            <a:r>
-              <a:rPr lang="en-US" dirty="0"/>
-              <a:t>Interface represents data model. Some people call it data modeling, contract, shape, struct – stuck is </a:t>
-            </a:r>
-            <a:r>
-              <a:rPr lang="en-US" dirty="0" err="1"/>
-              <a:t>c++</a:t>
-            </a:r>
             <a:endParaRPr lang="en-US" dirty="0"/>
           </a:p>
         </p:txBody>
@@ -1175,7 +1164,7 @@
           <a:p>
             <a:fld id="{610DEFEF-6024-EA42-94FF-6FD89BB1093D}" type="datetimeFigureOut">
               <a:rPr lang="en-US" smtClean="0"/>
-              <a:t>11/21/22</a:t>
+              <a:t>11/22/22</a:t>
             </a:fld>
             <a:endParaRPr lang="en-US"/>
           </a:p>
@@ -1375,7 +1364,7 @@
           <a:p>
             <a:fld id="{610DEFEF-6024-EA42-94FF-6FD89BB1093D}" type="datetimeFigureOut">
               <a:rPr lang="en-US" smtClean="0"/>
-              <a:t>11/21/22</a:t>
+              <a:t>11/22/22</a:t>
             </a:fld>
             <a:endParaRPr lang="en-US"/>
           </a:p>
@@ -1585,7 +1574,7 @@
           <a:p>
             <a:fld id="{610DEFEF-6024-EA42-94FF-6FD89BB1093D}" type="datetimeFigureOut">
               <a:rPr lang="en-US" smtClean="0"/>
-              <a:t>11/21/22</a:t>
+              <a:t>11/22/22</a:t>
             </a:fld>
             <a:endParaRPr lang="en-US"/>
           </a:p>
@@ -13949,7 +13938,7 @@
           <a:p>
             <a:fld id="{610DEFEF-6024-EA42-94FF-6FD89BB1093D}" type="datetimeFigureOut">
               <a:rPr lang="en-US" smtClean="0"/>
-              <a:t>11/21/22</a:t>
+              <a:t>11/22/22</a:t>
             </a:fld>
             <a:endParaRPr lang="en-US"/>
           </a:p>
@@ -14225,7 +14214,7 @@
           <a:p>
             <a:fld id="{610DEFEF-6024-EA42-94FF-6FD89BB1093D}" type="datetimeFigureOut">
               <a:rPr lang="en-US" smtClean="0"/>
-              <a:t>11/21/22</a:t>
+              <a:t>11/22/22</a:t>
             </a:fld>
             <a:endParaRPr lang="en-US"/>
           </a:p>
@@ -14493,7 +14482,7 @@
           <a:p>
             <a:fld id="{610DEFEF-6024-EA42-94FF-6FD89BB1093D}" type="datetimeFigureOut">
               <a:rPr lang="en-US" smtClean="0"/>
-              <a:t>11/21/22</a:t>
+              <a:t>11/22/22</a:t>
             </a:fld>
             <a:endParaRPr lang="en-US"/>
           </a:p>
@@ -14908,7 +14897,7 @@
           <a:p>
             <a:fld id="{610DEFEF-6024-EA42-94FF-6FD89BB1093D}" type="datetimeFigureOut">
               <a:rPr lang="en-US" smtClean="0"/>
-              <a:t>11/21/22</a:t>
+              <a:t>11/22/22</a:t>
             </a:fld>
             <a:endParaRPr lang="en-US"/>
           </a:p>
@@ -15050,7 +15039,7 @@
           <a:p>
             <a:fld id="{610DEFEF-6024-EA42-94FF-6FD89BB1093D}" type="datetimeFigureOut">
               <a:rPr lang="en-US" smtClean="0"/>
-              <a:t>11/21/22</a:t>
+              <a:t>11/22/22</a:t>
             </a:fld>
             <a:endParaRPr lang="en-US"/>
           </a:p>
@@ -15163,7 +15152,7 @@
           <a:p>
             <a:fld id="{610DEFEF-6024-EA42-94FF-6FD89BB1093D}" type="datetimeFigureOut">
               <a:rPr lang="en-US" smtClean="0"/>
-              <a:t>11/21/22</a:t>
+              <a:t>11/22/22</a:t>
             </a:fld>
             <a:endParaRPr lang="en-US"/>
           </a:p>
@@ -15476,7 +15465,7 @@
           <a:p>
             <a:fld id="{610DEFEF-6024-EA42-94FF-6FD89BB1093D}" type="datetimeFigureOut">
               <a:rPr lang="en-US" smtClean="0"/>
-              <a:t>11/21/22</a:t>
+              <a:t>11/22/22</a:t>
             </a:fld>
             <a:endParaRPr lang="en-US"/>
           </a:p>
@@ -15765,7 +15754,7 @@
           <a:p>
             <a:fld id="{610DEFEF-6024-EA42-94FF-6FD89BB1093D}" type="datetimeFigureOut">
               <a:rPr lang="en-US" smtClean="0"/>
-              <a:t>11/21/22</a:t>
+              <a:t>11/22/22</a:t>
             </a:fld>
             <a:endParaRPr lang="en-US"/>
           </a:p>
@@ -16008,7 +15997,7 @@
           <a:p>
             <a:fld id="{610DEFEF-6024-EA42-94FF-6FD89BB1093D}" type="datetimeFigureOut">
               <a:rPr lang="en-US" smtClean="0"/>
-              <a:t>11/21/22</a:t>
+              <a:t>11/22/22</a:t>
             </a:fld>
             <a:endParaRPr lang="en-US"/>
           </a:p>
@@ -18842,22 +18831,7 @@
                   </a:extLst>
                 </a:hlinkClick>
               </a:rPr>
-              <a:t>Utility</a:t>
-            </a:r>
-            <a:r>
-              <a:rPr lang="en-US" sz="2400" dirty="0">
-                <a:solidFill>
-                  <a:schemeClr val="bg1"/>
-                </a:solidFill>
-                <a:hlinkClick r:id="rId4">
-                  <a:extLst>
-                    <a:ext uri="{A12FA001-AC4F-418D-AE19-62706E023703}">
-                      <ahyp:hlinkClr xmlns:ahyp="http://schemas.microsoft.com/office/drawing/2018/hyperlinkcolor" val="tx"/>
-                    </a:ext>
-                  </a:extLst>
-                </a:hlinkClick>
-              </a:rPr>
-              <a:t> Types</a:t>
+              <a:t>Utility Types</a:t>
             </a:r>
             <a:endParaRPr lang="en-US" sz="2400" dirty="0">
               <a:solidFill>
